--- a/答辩.pptx
+++ b/答辩.pptx
@@ -9,22 +9,25 @@
     <p:sldId id="260" r:id="rId3"/>
     <p:sldId id="261" r:id="rId4"/>
     <p:sldId id="257" r:id="rId5"/>
-    <p:sldId id="258" r:id="rId6"/>
-    <p:sldId id="259" r:id="rId7"/>
-    <p:sldId id="262" r:id="rId8"/>
-    <p:sldId id="263" r:id="rId9"/>
-    <p:sldId id="264" r:id="rId10"/>
-    <p:sldId id="266" r:id="rId11"/>
-    <p:sldId id="265" r:id="rId12"/>
-    <p:sldId id="267" r:id="rId13"/>
-    <p:sldId id="268" r:id="rId14"/>
-    <p:sldId id="269" r:id="rId15"/>
-    <p:sldId id="272" r:id="rId16"/>
-    <p:sldId id="271" r:id="rId17"/>
-    <p:sldId id="270" r:id="rId18"/>
-    <p:sldId id="273" r:id="rId19"/>
-    <p:sldId id="275" r:id="rId20"/>
-    <p:sldId id="276" r:id="rId21"/>
+    <p:sldId id="278" r:id="rId6"/>
+    <p:sldId id="258" r:id="rId7"/>
+    <p:sldId id="259" r:id="rId8"/>
+    <p:sldId id="279" r:id="rId9"/>
+    <p:sldId id="262" r:id="rId10"/>
+    <p:sldId id="263" r:id="rId11"/>
+    <p:sldId id="264" r:id="rId12"/>
+    <p:sldId id="266" r:id="rId13"/>
+    <p:sldId id="265" r:id="rId14"/>
+    <p:sldId id="267" r:id="rId15"/>
+    <p:sldId id="268" r:id="rId16"/>
+    <p:sldId id="269" r:id="rId17"/>
+    <p:sldId id="272" r:id="rId18"/>
+    <p:sldId id="271" r:id="rId19"/>
+    <p:sldId id="270" r:id="rId20"/>
+    <p:sldId id="273" r:id="rId21"/>
+    <p:sldId id="277" r:id="rId22"/>
+    <p:sldId id="275" r:id="rId23"/>
+    <p:sldId id="276" r:id="rId24"/>
   </p:sldIdLst>
   <p:sldSz cx="12192000" cy="6858000"/>
   <p:notesSz cx="6858000" cy="9144000"/>
@@ -462,7 +465,7 @@
           <a:p>
             <a:fld id="{E27EC01E-537D-42F0-AE3A-82498D43C716}" type="datetimeFigureOut">
               <a:rPr lang="zh-CN" altLang="en-US" smtClean="0"/>
-              <a:t>2019/5/12</a:t>
+              <a:t>2019/5/15</a:t>
             </a:fld>
             <a:endParaRPr lang="zh-CN" altLang="en-US"/>
           </a:p>
@@ -786,7 +789,7 @@
           <a:p>
             <a:fld id="{E27EC01E-537D-42F0-AE3A-82498D43C716}" type="datetimeFigureOut">
               <a:rPr lang="zh-CN" altLang="en-US" smtClean="0"/>
-              <a:t>2019/5/12</a:t>
+              <a:t>2019/5/15</a:t>
             </a:fld>
             <a:endParaRPr lang="zh-CN" altLang="en-US"/>
           </a:p>
@@ -1034,7 +1037,7 @@
           <a:p>
             <a:fld id="{E27EC01E-537D-42F0-AE3A-82498D43C716}" type="datetimeFigureOut">
               <a:rPr lang="zh-CN" altLang="en-US" smtClean="0"/>
-              <a:t>2019/5/12</a:t>
+              <a:t>2019/5/15</a:t>
             </a:fld>
             <a:endParaRPr lang="zh-CN" altLang="en-US"/>
           </a:p>
@@ -1373,7 +1376,7 @@
           <a:p>
             <a:fld id="{E27EC01E-537D-42F0-AE3A-82498D43C716}" type="datetimeFigureOut">
               <a:rPr lang="zh-CN" altLang="en-US" smtClean="0"/>
-              <a:t>2019/5/12</a:t>
+              <a:t>2019/5/15</a:t>
             </a:fld>
             <a:endParaRPr lang="zh-CN" altLang="en-US"/>
           </a:p>
@@ -1720,7 +1723,7 @@
           <a:p>
             <a:fld id="{E27EC01E-537D-42F0-AE3A-82498D43C716}" type="datetimeFigureOut">
               <a:rPr lang="zh-CN" altLang="en-US" smtClean="0"/>
-              <a:t>2019/5/12</a:t>
+              <a:t>2019/5/15</a:t>
             </a:fld>
             <a:endParaRPr lang="zh-CN" altLang="en-US"/>
           </a:p>
@@ -2094,7 +2097,7 @@
           <a:p>
             <a:fld id="{E27EC01E-537D-42F0-AE3A-82498D43C716}" type="datetimeFigureOut">
               <a:rPr lang="zh-CN" altLang="en-US" smtClean="0"/>
-              <a:t>2019/5/12</a:t>
+              <a:t>2019/5/15</a:t>
             </a:fld>
             <a:endParaRPr lang="zh-CN" altLang="en-US"/>
           </a:p>
@@ -2564,7 +2567,7 @@
           <a:p>
             <a:fld id="{E27EC01E-537D-42F0-AE3A-82498D43C716}" type="datetimeFigureOut">
               <a:rPr lang="zh-CN" altLang="en-US" smtClean="0"/>
-              <a:t>2019/5/12</a:t>
+              <a:t>2019/5/15</a:t>
             </a:fld>
             <a:endParaRPr lang="zh-CN" altLang="en-US"/>
           </a:p>
@@ -2769,7 +2772,7 @@
           <a:p>
             <a:fld id="{E27EC01E-537D-42F0-AE3A-82498D43C716}" type="datetimeFigureOut">
               <a:rPr lang="zh-CN" altLang="en-US" smtClean="0"/>
-              <a:t>2019/5/12</a:t>
+              <a:t>2019/5/15</a:t>
             </a:fld>
             <a:endParaRPr lang="zh-CN" altLang="en-US"/>
           </a:p>
@@ -2980,7 +2983,7 @@
           <a:p>
             <a:fld id="{E27EC01E-537D-42F0-AE3A-82498D43C716}" type="datetimeFigureOut">
               <a:rPr lang="zh-CN" altLang="en-US" smtClean="0"/>
-              <a:t>2019/5/12</a:t>
+              <a:t>2019/5/15</a:t>
             </a:fld>
             <a:endParaRPr lang="zh-CN" altLang="en-US"/>
           </a:p>
@@ -3212,7 +3215,7 @@
           <a:p>
             <a:fld id="{E27EC01E-537D-42F0-AE3A-82498D43C716}" type="datetimeFigureOut">
               <a:rPr lang="zh-CN" altLang="en-US" smtClean="0"/>
-              <a:t>2019/5/12</a:t>
+              <a:t>2019/5/15</a:t>
             </a:fld>
             <a:endParaRPr lang="zh-CN" altLang="en-US"/>
           </a:p>
@@ -3460,7 +3463,7 @@
           <a:p>
             <a:fld id="{E27EC01E-537D-42F0-AE3A-82498D43C716}" type="datetimeFigureOut">
               <a:rPr lang="zh-CN" altLang="en-US" smtClean="0"/>
-              <a:t>2019/5/12</a:t>
+              <a:t>2019/5/15</a:t>
             </a:fld>
             <a:endParaRPr lang="zh-CN" altLang="en-US"/>
           </a:p>
@@ -3758,7 +3761,7 @@
           <a:p>
             <a:fld id="{E27EC01E-537D-42F0-AE3A-82498D43C716}" type="datetimeFigureOut">
               <a:rPr lang="zh-CN" altLang="en-US" smtClean="0"/>
-              <a:t>2019/5/12</a:t>
+              <a:t>2019/5/15</a:t>
             </a:fld>
             <a:endParaRPr lang="zh-CN" altLang="en-US"/>
           </a:p>
@@ -4152,7 +4155,7 @@
           <a:p>
             <a:fld id="{E27EC01E-537D-42F0-AE3A-82498D43C716}" type="datetimeFigureOut">
               <a:rPr lang="zh-CN" altLang="en-US" smtClean="0"/>
-              <a:t>2019/5/12</a:t>
+              <a:t>2019/5/15</a:t>
             </a:fld>
             <a:endParaRPr lang="zh-CN" altLang="en-US"/>
           </a:p>
@@ -4301,7 +4304,7 @@
           <a:p>
             <a:fld id="{E27EC01E-537D-42F0-AE3A-82498D43C716}" type="datetimeFigureOut">
               <a:rPr lang="zh-CN" altLang="en-US" smtClean="0"/>
-              <a:t>2019/5/12</a:t>
+              <a:t>2019/5/15</a:t>
             </a:fld>
             <a:endParaRPr lang="zh-CN" altLang="en-US"/>
           </a:p>
@@ -4427,7 +4430,7 @@
           <a:p>
             <a:fld id="{E27EC01E-537D-42F0-AE3A-82498D43C716}" type="datetimeFigureOut">
               <a:rPr lang="zh-CN" altLang="en-US" smtClean="0"/>
-              <a:t>2019/5/12</a:t>
+              <a:t>2019/5/15</a:t>
             </a:fld>
             <a:endParaRPr lang="zh-CN" altLang="en-US"/>
           </a:p>
@@ -4682,7 +4685,7 @@
           <a:p>
             <a:fld id="{E27EC01E-537D-42F0-AE3A-82498D43C716}" type="datetimeFigureOut">
               <a:rPr lang="zh-CN" altLang="en-US" smtClean="0"/>
-              <a:t>2019/5/12</a:t>
+              <a:t>2019/5/15</a:t>
             </a:fld>
             <a:endParaRPr lang="zh-CN" altLang="en-US"/>
           </a:p>
@@ -4997,7 +5000,7 @@
           <a:p>
             <a:fld id="{E27EC01E-537D-42F0-AE3A-82498D43C716}" type="datetimeFigureOut">
               <a:rPr lang="zh-CN" altLang="en-US" smtClean="0"/>
-              <a:t>2019/5/12</a:t>
+              <a:t>2019/5/15</a:t>
             </a:fld>
             <a:endParaRPr lang="zh-CN" altLang="en-US"/>
           </a:p>
@@ -5348,7 +5351,7 @@
           <a:p>
             <a:fld id="{E27EC01E-537D-42F0-AE3A-82498D43C716}" type="datetimeFigureOut">
               <a:rPr lang="zh-CN" altLang="en-US" smtClean="0"/>
-              <a:t>2019/5/12</a:t>
+              <a:t>2019/5/15</a:t>
             </a:fld>
             <a:endParaRPr lang="zh-CN" altLang="en-US"/>
           </a:p>
@@ -5989,7 +5992,7 @@
           <p:cNvPr id="2" name="标题 1">
             <a:extLst>
               <a:ext uri="{FF2B5EF4-FFF2-40B4-BE49-F238E27FC236}">
-                <a16:creationId xmlns:a16="http://schemas.microsoft.com/office/drawing/2014/main" id="{4D82C1D9-B911-4F04-9B72-5A2EEEFACB11}"/>
+                <a16:creationId xmlns:a16="http://schemas.microsoft.com/office/drawing/2014/main" id="{82DF42E3-181D-4B1A-9A77-CCA8C3297733}"/>
               </a:ext>
             </a:extLst>
           </p:cNvPr>
@@ -6007,7 +6010,15 @@
           <a:p>
             <a:r>
               <a:rPr lang="zh-CN" altLang="en-US" dirty="0"/>
-              <a:t>接口格式</a:t>
+              <a:t>为什么选择</a:t>
+            </a:r>
+            <a:r>
+              <a:rPr lang="en-US" altLang="zh-CN" dirty="0"/>
+              <a:t>DE</a:t>
+            </a:r>
+            <a:r>
+              <a:rPr lang="zh-CN" altLang="en-US" dirty="0"/>
+              <a:t>历表</a:t>
             </a:r>
           </a:p>
         </p:txBody>
@@ -6017,7 +6028,7 @@
           <p:cNvPr id="3" name="内容占位符 2">
             <a:extLst>
               <a:ext uri="{FF2B5EF4-FFF2-40B4-BE49-F238E27FC236}">
-                <a16:creationId xmlns:a16="http://schemas.microsoft.com/office/drawing/2014/main" id="{EF3EF971-4B29-4C28-BE13-F3F1630F0771}"/>
+                <a16:creationId xmlns:a16="http://schemas.microsoft.com/office/drawing/2014/main" id="{DE927DA8-99CE-45B8-B924-152E7D144CC9}"/>
               </a:ext>
             </a:extLst>
           </p:cNvPr>
@@ -6039,40 +6050,57 @@
             </a:r>
             <a:r>
               <a:rPr lang="zh-CN" altLang="en-US" dirty="0"/>
-              <a:t>历表主要有两个程序文件：</a:t>
+              <a:t>历表发布较早：</a:t>
             </a:r>
             <a:endParaRPr lang="en-US" altLang="zh-CN" dirty="0"/>
           </a:p>
           <a:p>
             <a:pPr lvl="1"/>
             <a:r>
+              <a:rPr lang="zh-CN" altLang="en-US" dirty="0"/>
+              <a:t>其进入国内较早，为大量程序所使用。</a:t>
+            </a:r>
+            <a:endParaRPr lang="en-US" altLang="zh-CN" dirty="0"/>
+          </a:p>
+          <a:p>
+            <a:pPr lvl="1"/>
+            <a:r>
+              <a:rPr lang="zh-CN" altLang="en-US" dirty="0"/>
+              <a:t>其为</a:t>
+            </a:r>
+            <a:r>
               <a:rPr lang="en-US" altLang="zh-CN" dirty="0"/>
-              <a:t>asc2eph.f</a:t>
-            </a:r>
-            <a:r>
-              <a:rPr lang="zh-CN" altLang="en-US" dirty="0"/>
-              <a:t>：将文本历表转化为二进制历表，方便读取。</a:t>
+              <a:t>INPOP</a:t>
+            </a:r>
+            <a:r>
+              <a:rPr lang="zh-CN" altLang="en-US" dirty="0"/>
+              <a:t>历表和</a:t>
+            </a:r>
+            <a:r>
+              <a:rPr lang="en-US" altLang="zh-CN" dirty="0"/>
+              <a:t>EPM</a:t>
+            </a:r>
+            <a:r>
+              <a:rPr lang="zh-CN" altLang="en-US" dirty="0"/>
+              <a:t>历表提供了一种接口格式规范。</a:t>
             </a:r>
             <a:endParaRPr lang="en-US" altLang="zh-CN" dirty="0"/>
           </a:p>
           <a:p>
-            <a:pPr lvl="1"/>
-            <a:r>
-              <a:rPr lang="en-US" altLang="zh-CN" dirty="0" err="1"/>
-              <a:t>testeph.f</a:t>
-            </a:r>
-            <a:r>
-              <a:rPr lang="zh-CN" altLang="en-US" dirty="0"/>
-              <a:t>：读取二进制历表，计算，并输出行星之间的相对位置和速度。</a:t>
-            </a:r>
             <a:endParaRPr lang="en-US" altLang="zh-CN" dirty="0"/>
+          </a:p>
+          <a:p>
+            <a:r>
+              <a:rPr lang="zh-CN" altLang="en-US" dirty="0"/>
+              <a:t>其格式简单明了，容易理解。</a:t>
+            </a:r>
           </a:p>
         </p:txBody>
       </p:sp>
     </p:spTree>
     <p:extLst>
       <p:ext uri="{BB962C8B-B14F-4D97-AF65-F5344CB8AC3E}">
-        <p14:creationId xmlns:p14="http://schemas.microsoft.com/office/powerpoint/2010/main" val="1373340283"/>
+        <p14:creationId xmlns:p14="http://schemas.microsoft.com/office/powerpoint/2010/main" val="3544735891"/>
       </p:ext>
     </p:extLst>
   </p:cSld>
@@ -6104,7 +6132,7 @@
           <p:cNvPr id="2" name="标题 1">
             <a:extLst>
               <a:ext uri="{FF2B5EF4-FFF2-40B4-BE49-F238E27FC236}">
-                <a16:creationId xmlns:a16="http://schemas.microsoft.com/office/drawing/2014/main" id="{82DB7E65-A246-4B0C-BEFB-60868165C0EF}"/>
+                <a16:creationId xmlns:a16="http://schemas.microsoft.com/office/drawing/2014/main" id="{CCF315B4-191F-40DE-A504-FFB083FD6B9B}"/>
               </a:ext>
             </a:extLst>
           </p:cNvPr>
@@ -6122,7 +6150,7 @@
           <a:p>
             <a:r>
               <a:rPr lang="zh-CN" altLang="en-US" dirty="0"/>
-              <a:t>不足之处</a:t>
+              <a:t>接口格式</a:t>
             </a:r>
           </a:p>
         </p:txBody>
@@ -6132,7 +6160,7 @@
           <p:cNvPr id="3" name="内容占位符 2">
             <a:extLst>
               <a:ext uri="{FF2B5EF4-FFF2-40B4-BE49-F238E27FC236}">
-                <a16:creationId xmlns:a16="http://schemas.microsoft.com/office/drawing/2014/main" id="{1FE5DFB6-13BF-41CC-848F-C58A2A908265}"/>
+                <a16:creationId xmlns:a16="http://schemas.microsoft.com/office/drawing/2014/main" id="{85DFACE1-A08F-45DC-8B48-58CCD1AB8329}"/>
               </a:ext>
             </a:extLst>
           </p:cNvPr>
@@ -6149,46 +6177,91 @@
           <a:lstStyle/>
           <a:p>
             <a:r>
-              <a:rPr lang="zh-CN" altLang="en-US" dirty="0"/>
-              <a:t>不同版本的</a:t>
-            </a:r>
-            <a:r>
               <a:rPr lang="en-US" altLang="zh-CN" dirty="0"/>
               <a:t>DE</a:t>
             </a:r>
             <a:r>
               <a:rPr lang="zh-CN" altLang="en-US" dirty="0"/>
-              <a:t>历表，其程序不能通用。</a:t>
+              <a:t>历表分为</a:t>
+            </a:r>
+            <a:r>
+              <a:rPr lang="en-US" altLang="zh-CN" dirty="0"/>
+              <a:t>6</a:t>
+            </a:r>
+            <a:r>
+              <a:rPr lang="zh-CN" altLang="en-US" dirty="0"/>
+              <a:t>个</a:t>
+            </a:r>
+            <a:r>
+              <a:rPr lang="en-US" altLang="zh-CN" dirty="0"/>
+              <a:t>GROUP</a:t>
+            </a:r>
+            <a:r>
+              <a:rPr lang="zh-CN" altLang="en-US" dirty="0"/>
+              <a:t>，每个</a:t>
+            </a:r>
+            <a:r>
+              <a:rPr lang="en-US" altLang="zh-CN" dirty="0"/>
+              <a:t>GROUP</a:t>
+            </a:r>
+            <a:r>
+              <a:rPr lang="zh-CN" altLang="en-US" dirty="0"/>
+              <a:t>存储一些信息。</a:t>
             </a:r>
             <a:endParaRPr lang="en-US" altLang="zh-CN" dirty="0"/>
           </a:p>
           <a:p>
             <a:r>
               <a:rPr lang="zh-CN" altLang="en-US" dirty="0"/>
-              <a:t>在</a:t>
-            </a:r>
+              <a:t>包括：</a:t>
+            </a:r>
+            <a:endParaRPr lang="en-US" altLang="zh-CN" dirty="0"/>
+          </a:p>
+          <a:p>
+            <a:pPr lvl="1"/>
+            <a:r>
+              <a:rPr lang="zh-CN" altLang="en-US" dirty="0"/>
+              <a:t>历表名称、时间区间</a:t>
+            </a:r>
+            <a:endParaRPr lang="en-US" altLang="zh-CN" dirty="0"/>
+          </a:p>
+          <a:p>
+            <a:pPr lvl="1"/>
+            <a:r>
+              <a:rPr lang="zh-CN" altLang="en-US" dirty="0"/>
+              <a:t>常数名、常数值</a:t>
+            </a:r>
+            <a:endParaRPr lang="en-US" altLang="zh-CN" dirty="0"/>
+          </a:p>
+          <a:p>
+            <a:pPr lvl="1"/>
+            <a:r>
+              <a:rPr lang="zh-CN" altLang="en-US" dirty="0"/>
+              <a:t>插值多项式系数</a:t>
+            </a:r>
+            <a:endParaRPr lang="en-US" altLang="zh-CN" dirty="0"/>
+          </a:p>
+          <a:p>
+            <a:pPr lvl="1"/>
+            <a:r>
+              <a:rPr lang="zh-CN" altLang="en-US" dirty="0"/>
+              <a:t>具体记录</a:t>
+            </a:r>
+            <a:endParaRPr lang="en-US" altLang="zh-CN" dirty="0"/>
+          </a:p>
+          <a:p>
+            <a:pPr lvl="1"/>
             <a:r>
               <a:rPr lang="en-US" altLang="zh-CN" dirty="0"/>
-              <a:t>asc2eph.f</a:t>
-            </a:r>
-            <a:r>
-              <a:rPr lang="zh-CN" altLang="en-US" dirty="0"/>
-              <a:t>里使用了未初始化的数组，可能导致敏感信息泄露。</a:t>
-            </a:r>
-            <a:endParaRPr lang="en-US" altLang="zh-CN" dirty="0"/>
-          </a:p>
-          <a:p>
-            <a:endParaRPr lang="en-US" altLang="zh-CN" dirty="0"/>
-          </a:p>
-          <a:p>
-            <a:endParaRPr lang="zh-CN" altLang="en-US" dirty="0"/>
+              <a:t>…</a:t>
+            </a:r>
           </a:p>
         </p:txBody>
       </p:sp>
     </p:spTree>
     <p:extLst>
       <p:ext uri="{BB962C8B-B14F-4D97-AF65-F5344CB8AC3E}">
-        <p14:creationId xmlns:p14="http://schemas.microsoft.com/office/powerpoint/2010/main" val="2036799761"/>
+        <p14:creationId xmlns:p14="http://schemas.microsoft.com/office/powerpoint/2010/main" val="3908414205"/>
       </p:ext>
     </p:extLst>
   </p:cSld>
@@ -6220,7 +6293,7 @@
           <p:cNvPr id="2" name="标题 1">
             <a:extLst>
               <a:ext uri="{FF2B5EF4-FFF2-40B4-BE49-F238E27FC236}">
-                <a16:creationId xmlns:a16="http://schemas.microsoft.com/office/drawing/2014/main" id="{BCC6875C-6B5B-476B-80C8-B8A1267A23B2}"/>
+                <a16:creationId xmlns:a16="http://schemas.microsoft.com/office/drawing/2014/main" id="{4D82C1D9-B911-4F04-9B72-5A2EEEFACB11}"/>
               </a:ext>
             </a:extLst>
           </p:cNvPr>
@@ -6231,42 +6304,79 @@
             <p:ph type="title"/>
           </p:nvPr>
         </p:nvSpPr>
-        <p:spPr>
-          <a:xfrm>
-            <a:off x="1295402" y="982133"/>
-            <a:ext cx="9601196" cy="3438948"/>
-          </a:xfrm>
-        </p:spPr>
-        <p:txBody>
-          <a:bodyPr>
-            <a:normAutofit/>
-          </a:bodyPr>
+        <p:spPr/>
+        <p:txBody>
+          <a:bodyPr/>
+          <a:lstStyle/>
+          <a:p>
+            <a:r>
+              <a:rPr lang="zh-CN" altLang="en-US" dirty="0"/>
+              <a:t>接口格式</a:t>
+            </a:r>
+          </a:p>
+        </p:txBody>
+      </p:sp>
+      <p:sp>
+        <p:nvSpPr>
+          <p:cNvPr id="3" name="内容占位符 2">
+            <a:extLst>
+              <a:ext uri="{FF2B5EF4-FFF2-40B4-BE49-F238E27FC236}">
+                <a16:creationId xmlns:a16="http://schemas.microsoft.com/office/drawing/2014/main" id="{EF3EF971-4B29-4C28-BE13-F3F1630F0771}"/>
+              </a:ext>
+            </a:extLst>
+          </p:cNvPr>
+          <p:cNvSpPr>
+            <a:spLocks noGrp="1"/>
+          </p:cNvSpPr>
+          <p:nvPr>
+            <p:ph idx="1"/>
+          </p:nvPr>
+        </p:nvSpPr>
+        <p:spPr/>
+        <p:txBody>
+          <a:bodyPr/>
           <a:lstStyle/>
           <a:p>
             <a:r>
               <a:rPr lang="en-US" altLang="zh-CN" dirty="0"/>
-              <a:t>Part 3</a:t>
-            </a:r>
-            <a:br>
+              <a:t>DE</a:t>
+            </a:r>
+            <a:r>
+              <a:rPr lang="zh-CN" altLang="en-US" dirty="0"/>
+              <a:t>历表主要有两个程序文件：</a:t>
+            </a:r>
+            <a:endParaRPr lang="en-US" altLang="zh-CN" dirty="0"/>
+          </a:p>
+          <a:p>
+            <a:pPr lvl="1"/>
+            <a:r>
               <a:rPr lang="en-US" altLang="zh-CN" dirty="0"/>
-            </a:br>
-            <a:br>
-              <a:rPr lang="en-US" altLang="zh-CN" dirty="0"/>
-            </a:br>
-            <a:br>
-              <a:rPr lang="en-US" altLang="zh-CN" dirty="0"/>
-            </a:br>
-            <a:r>
-              <a:rPr lang="zh-CN" altLang="en-US" dirty="0"/>
-              <a:t>统一接口工作</a:t>
-            </a:r>
+              <a:t>asc2eph.f</a:t>
+            </a:r>
+            <a:r>
+              <a:rPr lang="zh-CN" altLang="en-US" dirty="0"/>
+              <a:t>：将文本历表转化为二进制历表，方便读取。</a:t>
+            </a:r>
+            <a:endParaRPr lang="en-US" altLang="zh-CN" dirty="0"/>
+          </a:p>
+          <a:p>
+            <a:pPr lvl="1"/>
+            <a:r>
+              <a:rPr lang="en-US" altLang="zh-CN" dirty="0" err="1"/>
+              <a:t>testeph.f</a:t>
+            </a:r>
+            <a:r>
+              <a:rPr lang="zh-CN" altLang="en-US" dirty="0"/>
+              <a:t>：读取二进制历表，计算，并输出行星之间的相对位置和速度。</a:t>
+            </a:r>
+            <a:endParaRPr lang="en-US" altLang="zh-CN" dirty="0"/>
           </a:p>
         </p:txBody>
       </p:sp>
     </p:spTree>
     <p:extLst>
       <p:ext uri="{BB962C8B-B14F-4D97-AF65-F5344CB8AC3E}">
-        <p14:creationId xmlns:p14="http://schemas.microsoft.com/office/powerpoint/2010/main" val="1690516964"/>
+        <p14:creationId xmlns:p14="http://schemas.microsoft.com/office/powerpoint/2010/main" val="1373340283"/>
       </p:ext>
     </p:extLst>
   </p:cSld>
@@ -6298,7 +6408,7 @@
           <p:cNvPr id="2" name="标题 1">
             <a:extLst>
               <a:ext uri="{FF2B5EF4-FFF2-40B4-BE49-F238E27FC236}">
-                <a16:creationId xmlns:a16="http://schemas.microsoft.com/office/drawing/2014/main" id="{1613CAA3-5001-4C2A-B473-9A6FAF2D0593}"/>
+                <a16:creationId xmlns:a16="http://schemas.microsoft.com/office/drawing/2014/main" id="{82DB7E65-A246-4B0C-BEFB-60868165C0EF}"/>
               </a:ext>
             </a:extLst>
           </p:cNvPr>
@@ -6316,7 +6426,7 @@
           <a:p>
             <a:r>
               <a:rPr lang="zh-CN" altLang="en-US" dirty="0"/>
-              <a:t>需要统一什么</a:t>
+              <a:t>不足之处</a:t>
             </a:r>
           </a:p>
         </p:txBody>
@@ -6326,7 +6436,7 @@
           <p:cNvPr id="3" name="内容占位符 2">
             <a:extLst>
               <a:ext uri="{FF2B5EF4-FFF2-40B4-BE49-F238E27FC236}">
-                <a16:creationId xmlns:a16="http://schemas.microsoft.com/office/drawing/2014/main" id="{F8C920E5-7764-4DE5-8E11-25D6627F1D4D}"/>
+                <a16:creationId xmlns:a16="http://schemas.microsoft.com/office/drawing/2014/main" id="{1FE5DFB6-13BF-41CC-848F-C58A2A908265}"/>
               </a:ext>
             </a:extLst>
           </p:cNvPr>
@@ -6344,60 +6454,45 @@
           <a:p>
             <a:r>
               <a:rPr lang="zh-CN" altLang="en-US" dirty="0"/>
-              <a:t>以下因素需要统一：</a:t>
+              <a:t>不同版本的</a:t>
+            </a:r>
+            <a:r>
+              <a:rPr lang="en-US" altLang="zh-CN" dirty="0"/>
+              <a:t>DE</a:t>
+            </a:r>
+            <a:r>
+              <a:rPr lang="zh-CN" altLang="en-US" dirty="0"/>
+              <a:t>历表，其程序不能通用。</a:t>
             </a:r>
             <a:endParaRPr lang="en-US" altLang="zh-CN" dirty="0"/>
           </a:p>
           <a:p>
-            <a:pPr lvl="1"/>
-            <a:r>
-              <a:rPr lang="zh-CN" altLang="en-US" dirty="0"/>
-              <a:t>不同常量数目</a:t>
-            </a:r>
-            <a:endParaRPr lang="en-US" altLang="zh-CN" dirty="0"/>
-          </a:p>
-          <a:p>
-            <a:pPr lvl="1"/>
-            <a:r>
-              <a:rPr lang="zh-CN" altLang="en-US" dirty="0"/>
-              <a:t>不同空格数目、空格的表示</a:t>
-            </a:r>
-            <a:endParaRPr lang="en-US" altLang="zh-CN" dirty="0"/>
-          </a:p>
-          <a:p>
-            <a:pPr lvl="1"/>
-            <a:r>
-              <a:rPr lang="zh-CN" altLang="en-US" dirty="0"/>
-              <a:t>不同记录长度</a:t>
-            </a:r>
-            <a:endParaRPr lang="en-US" altLang="zh-CN" dirty="0"/>
-          </a:p>
-          <a:p>
-            <a:pPr lvl="1"/>
-            <a:r>
-              <a:rPr lang="en-US" altLang="zh-CN" dirty="0"/>
-              <a:t>…</a:t>
-            </a:r>
-          </a:p>
-          <a:p>
-            <a:endParaRPr lang="en-US" altLang="zh-CN" dirty="0"/>
-          </a:p>
-          <a:p>
+            <a:r>
+              <a:rPr lang="zh-CN" altLang="en-US" dirty="0"/>
+              <a:t>在</a:t>
+            </a:r>
             <a:r>
               <a:rPr lang="en-US" altLang="zh-CN" dirty="0"/>
               <a:t>asc2eph.f</a:t>
             </a:r>
             <a:r>
               <a:rPr lang="zh-CN" altLang="en-US" dirty="0"/>
-              <a:t>中存在未初始化全局变量，需要修正。</a:t>
-            </a:r>
+              <a:t>里使用了未初始化的数组，可能导致敏感信息泄露。</a:t>
+            </a:r>
+            <a:endParaRPr lang="en-US" altLang="zh-CN" dirty="0"/>
+          </a:p>
+          <a:p>
+            <a:endParaRPr lang="en-US" altLang="zh-CN" dirty="0"/>
+          </a:p>
+          <a:p>
+            <a:endParaRPr lang="zh-CN" altLang="en-US" dirty="0"/>
           </a:p>
         </p:txBody>
       </p:sp>
     </p:spTree>
     <p:extLst>
       <p:ext uri="{BB962C8B-B14F-4D97-AF65-F5344CB8AC3E}">
-        <p14:creationId xmlns:p14="http://schemas.microsoft.com/office/powerpoint/2010/main" val="4281013191"/>
+        <p14:creationId xmlns:p14="http://schemas.microsoft.com/office/powerpoint/2010/main" val="2036799761"/>
       </p:ext>
     </p:extLst>
   </p:cSld>
@@ -6429,7 +6524,7 @@
           <p:cNvPr id="2" name="标题 1">
             <a:extLst>
               <a:ext uri="{FF2B5EF4-FFF2-40B4-BE49-F238E27FC236}">
-                <a16:creationId xmlns:a16="http://schemas.microsoft.com/office/drawing/2014/main" id="{58282815-085C-4B4A-8D30-F749253D9ED2}"/>
+                <a16:creationId xmlns:a16="http://schemas.microsoft.com/office/drawing/2014/main" id="{BCC6875C-6B5B-476B-80C8-B8A1267A23B2}"/>
               </a:ext>
             </a:extLst>
           </p:cNvPr>
@@ -6440,114 +6535,42 @@
             <p:ph type="title"/>
           </p:nvPr>
         </p:nvSpPr>
-        <p:spPr/>
-        <p:txBody>
-          <a:bodyPr/>
-          <a:lstStyle/>
-          <a:p>
-            <a:r>
-              <a:rPr lang="zh-CN" altLang="en-US" dirty="0"/>
-              <a:t>目标</a:t>
-            </a:r>
-          </a:p>
-        </p:txBody>
-      </p:sp>
-      <p:sp>
-        <p:nvSpPr>
-          <p:cNvPr id="3" name="内容占位符 2">
-            <a:extLst>
-              <a:ext uri="{FF2B5EF4-FFF2-40B4-BE49-F238E27FC236}">
-                <a16:creationId xmlns:a16="http://schemas.microsoft.com/office/drawing/2014/main" id="{9214DBFF-F0CA-4923-9482-47C80A26D871}"/>
-              </a:ext>
-            </a:extLst>
-          </p:cNvPr>
-          <p:cNvSpPr>
-            <a:spLocks noGrp="1"/>
-          </p:cNvSpPr>
-          <p:nvPr>
-            <p:ph idx="1"/>
-          </p:nvPr>
-        </p:nvSpPr>
-        <p:spPr/>
-        <p:txBody>
-          <a:bodyPr/>
-          <a:lstStyle/>
-          <a:p>
-            <a:r>
-              <a:rPr lang="zh-CN" altLang="en-US" dirty="0"/>
-              <a:t>以</a:t>
-            </a:r>
+        <p:spPr>
+          <a:xfrm>
+            <a:off x="1295402" y="982133"/>
+            <a:ext cx="9601196" cy="3438948"/>
+          </a:xfrm>
+        </p:spPr>
+        <p:txBody>
+          <a:bodyPr>
+            <a:normAutofit/>
+          </a:bodyPr>
+          <a:lstStyle/>
+          <a:p>
             <a:r>
               <a:rPr lang="en-US" altLang="zh-CN" dirty="0"/>
-              <a:t>DE436</a:t>
-            </a:r>
-            <a:r>
-              <a:rPr lang="zh-CN" altLang="en-US" dirty="0"/>
-              <a:t>历表的接口格式为基准，自动生成可执行程序，使用同一份源码读取各式历表：</a:t>
-            </a:r>
-            <a:endParaRPr lang="en-US" altLang="zh-CN" dirty="0"/>
-          </a:p>
-          <a:p>
-            <a:pPr lvl="1"/>
-            <a:r>
-              <a:rPr lang="zh-CN" altLang="en-US" dirty="0"/>
-              <a:t>不同版本的</a:t>
-            </a:r>
-            <a:r>
+              <a:t>Part 3</a:t>
+            </a:r>
+            <a:br>
               <a:rPr lang="en-US" altLang="zh-CN" dirty="0"/>
-              <a:t>DE</a:t>
-            </a:r>
-            <a:r>
-              <a:rPr lang="zh-CN" altLang="en-US" dirty="0"/>
-              <a:t>历表</a:t>
-            </a:r>
-            <a:endParaRPr lang="en-US" altLang="zh-CN" dirty="0"/>
-          </a:p>
-          <a:p>
-            <a:pPr lvl="1"/>
-            <a:r>
-              <a:rPr lang="zh-CN" altLang="en-US" dirty="0"/>
-              <a:t>最新版本的</a:t>
-            </a:r>
-            <a:r>
+            </a:br>
+            <a:br>
               <a:rPr lang="en-US" altLang="zh-CN" dirty="0"/>
-              <a:t>INPOP</a:t>
-            </a:r>
-            <a:r>
-              <a:rPr lang="zh-CN" altLang="en-US" dirty="0"/>
-              <a:t>历表</a:t>
-            </a:r>
-            <a:r>
+            </a:br>
+            <a:br>
               <a:rPr lang="en-US" altLang="zh-CN" dirty="0"/>
-              <a:t>——INPOP17a</a:t>
-            </a:r>
-          </a:p>
-          <a:p>
-            <a:pPr lvl="1"/>
-            <a:r>
-              <a:rPr lang="zh-CN" altLang="en-US" dirty="0"/>
-              <a:t>最新版本的</a:t>
-            </a:r>
-            <a:r>
-              <a:rPr lang="en-US" altLang="zh-CN" dirty="0"/>
-              <a:t>EPM</a:t>
-            </a:r>
-            <a:r>
-              <a:rPr lang="zh-CN" altLang="en-US" dirty="0"/>
-              <a:t>历表</a:t>
-            </a:r>
-            <a:r>
-              <a:rPr lang="en-US" altLang="zh-CN" dirty="0"/>
-              <a:t>——EPM2017</a:t>
-            </a:r>
-            <a:endParaRPr lang="zh-CN" altLang="en-US" dirty="0"/>
+            </a:br>
+            <a:r>
+              <a:rPr lang="zh-CN" altLang="en-US" dirty="0"/>
+              <a:t>统一接口工作</a:t>
+            </a:r>
           </a:p>
         </p:txBody>
       </p:sp>
     </p:spTree>
     <p:extLst>
       <p:ext uri="{BB962C8B-B14F-4D97-AF65-F5344CB8AC3E}">
-        <p14:creationId xmlns:p14="http://schemas.microsoft.com/office/powerpoint/2010/main" val="145957536"/>
+        <p14:creationId xmlns:p14="http://schemas.microsoft.com/office/powerpoint/2010/main" val="1690516964"/>
       </p:ext>
     </p:extLst>
   </p:cSld>
@@ -6579,7 +6602,7 @@
           <p:cNvPr id="2" name="标题 1">
             <a:extLst>
               <a:ext uri="{FF2B5EF4-FFF2-40B4-BE49-F238E27FC236}">
-                <a16:creationId xmlns:a16="http://schemas.microsoft.com/office/drawing/2014/main" id="{E6FD390D-BDAC-476C-8630-8462D1E19F9E}"/>
+                <a16:creationId xmlns:a16="http://schemas.microsoft.com/office/drawing/2014/main" id="{1613CAA3-5001-4C2A-B473-9A6FAF2D0593}"/>
               </a:ext>
             </a:extLst>
           </p:cNvPr>
@@ -6597,7 +6620,7 @@
           <a:p>
             <a:r>
               <a:rPr lang="zh-CN" altLang="en-US" dirty="0"/>
-              <a:t>具体工作</a:t>
+              <a:t>需要统一什么</a:t>
             </a:r>
           </a:p>
         </p:txBody>
@@ -6607,7 +6630,7 @@
           <p:cNvPr id="3" name="内容占位符 2">
             <a:extLst>
               <a:ext uri="{FF2B5EF4-FFF2-40B4-BE49-F238E27FC236}">
-                <a16:creationId xmlns:a16="http://schemas.microsoft.com/office/drawing/2014/main" id="{6A542992-4C05-44B1-974A-7F4A2C44797E}"/>
+                <a16:creationId xmlns:a16="http://schemas.microsoft.com/office/drawing/2014/main" id="{F8C920E5-7764-4DE5-8E11-25D6627F1D4D}"/>
               </a:ext>
             </a:extLst>
           </p:cNvPr>
@@ -6625,61 +6648,52 @@
           <a:p>
             <a:r>
               <a:rPr lang="zh-CN" altLang="en-US" dirty="0"/>
-              <a:t>重写</a:t>
-            </a:r>
+              <a:t>以下因素需要统一：</a:t>
+            </a:r>
+            <a:endParaRPr lang="en-US" altLang="zh-CN" dirty="0"/>
+          </a:p>
+          <a:p>
+            <a:pPr lvl="1"/>
+            <a:r>
+              <a:rPr lang="zh-CN" altLang="en-US" dirty="0"/>
+              <a:t>不同常量数目</a:t>
+            </a:r>
+            <a:endParaRPr lang="en-US" altLang="zh-CN" dirty="0"/>
+          </a:p>
+          <a:p>
+            <a:pPr lvl="1"/>
+            <a:r>
+              <a:rPr lang="zh-CN" altLang="en-US" dirty="0"/>
+              <a:t>不同空格数目、空格的表示</a:t>
+            </a:r>
+            <a:endParaRPr lang="en-US" altLang="zh-CN" dirty="0"/>
+          </a:p>
+          <a:p>
+            <a:pPr lvl="1"/>
+            <a:r>
+              <a:rPr lang="zh-CN" altLang="en-US" dirty="0"/>
+              <a:t>不同记录长度</a:t>
+            </a:r>
+            <a:endParaRPr lang="en-US" altLang="zh-CN" dirty="0"/>
+          </a:p>
+          <a:p>
+            <a:pPr lvl="1"/>
+            <a:r>
+              <a:rPr lang="en-US" altLang="zh-CN" dirty="0"/>
+              <a:t>…</a:t>
+            </a:r>
+          </a:p>
+          <a:p>
+            <a:endParaRPr lang="en-US" altLang="zh-CN" dirty="0"/>
+          </a:p>
+          <a:p>
             <a:r>
               <a:rPr lang="en-US" altLang="zh-CN" dirty="0"/>
               <a:t>asc2eph.f</a:t>
             </a:r>
             <a:r>
               <a:rPr lang="zh-CN" altLang="en-US" dirty="0"/>
-              <a:t>为</a:t>
-            </a:r>
-            <a:r>
-              <a:rPr lang="en-US" altLang="zh-CN" dirty="0"/>
-              <a:t>asc2eph.cpp</a:t>
-            </a:r>
-            <a:r>
-              <a:rPr lang="zh-CN" altLang="en-US" dirty="0"/>
-              <a:t>，利用</a:t>
-            </a:r>
-            <a:r>
-              <a:rPr lang="en-US" altLang="zh-CN" dirty="0"/>
-              <a:t>C++</a:t>
-            </a:r>
-            <a:r>
-              <a:rPr lang="zh-CN" altLang="en-US" dirty="0"/>
-              <a:t>生成二进制历表，并统一格式。</a:t>
-            </a:r>
-            <a:endParaRPr lang="en-US" altLang="zh-CN" dirty="0"/>
-          </a:p>
-          <a:p>
-            <a:r>
-              <a:rPr lang="zh-CN" altLang="en-US" dirty="0"/>
-              <a:t>修改</a:t>
-            </a:r>
-            <a:r>
-              <a:rPr lang="en-US" altLang="zh-CN" dirty="0" err="1"/>
-              <a:t>testeph.f</a:t>
-            </a:r>
-            <a:r>
-              <a:rPr lang="zh-CN" altLang="en-US" dirty="0"/>
-              <a:t>，分离出查询程序，利用其生成自己的主程序。</a:t>
-            </a:r>
-            <a:endParaRPr lang="en-US" altLang="zh-CN" dirty="0"/>
-          </a:p>
-          <a:p>
-            <a:r>
-              <a:rPr lang="zh-CN" altLang="en-US" dirty="0"/>
-              <a:t>编写</a:t>
-            </a:r>
-            <a:r>
-              <a:rPr lang="en-US" altLang="zh-CN" dirty="0"/>
-              <a:t>makeit.py</a:t>
-            </a:r>
-            <a:r>
-              <a:rPr lang="zh-CN" altLang="en-US" dirty="0"/>
-              <a:t>，一键自动化编译、生成二进制历表文件并测试，简化工作流程。</a:t>
+              <a:t>中存在未初始化全局变量，需要修正。</a:t>
             </a:r>
           </a:p>
         </p:txBody>
@@ -6687,7 +6701,7 @@
     </p:spTree>
     <p:extLst>
       <p:ext uri="{BB962C8B-B14F-4D97-AF65-F5344CB8AC3E}">
-        <p14:creationId xmlns:p14="http://schemas.microsoft.com/office/powerpoint/2010/main" val="159888849"/>
+        <p14:creationId xmlns:p14="http://schemas.microsoft.com/office/powerpoint/2010/main" val="4281013191"/>
       </p:ext>
     </p:extLst>
   </p:cSld>
@@ -6719,6 +6733,296 @@
           <p:cNvPr id="2" name="标题 1">
             <a:extLst>
               <a:ext uri="{FF2B5EF4-FFF2-40B4-BE49-F238E27FC236}">
+                <a16:creationId xmlns:a16="http://schemas.microsoft.com/office/drawing/2014/main" id="{58282815-085C-4B4A-8D30-F749253D9ED2}"/>
+              </a:ext>
+            </a:extLst>
+          </p:cNvPr>
+          <p:cNvSpPr>
+            <a:spLocks noGrp="1"/>
+          </p:cNvSpPr>
+          <p:nvPr>
+            <p:ph type="title"/>
+          </p:nvPr>
+        </p:nvSpPr>
+        <p:spPr/>
+        <p:txBody>
+          <a:bodyPr/>
+          <a:lstStyle/>
+          <a:p>
+            <a:r>
+              <a:rPr lang="zh-CN" altLang="en-US" dirty="0"/>
+              <a:t>目标</a:t>
+            </a:r>
+          </a:p>
+        </p:txBody>
+      </p:sp>
+      <p:sp>
+        <p:nvSpPr>
+          <p:cNvPr id="3" name="内容占位符 2">
+            <a:extLst>
+              <a:ext uri="{FF2B5EF4-FFF2-40B4-BE49-F238E27FC236}">
+                <a16:creationId xmlns:a16="http://schemas.microsoft.com/office/drawing/2014/main" id="{9214DBFF-F0CA-4923-9482-47C80A26D871}"/>
+              </a:ext>
+            </a:extLst>
+          </p:cNvPr>
+          <p:cNvSpPr>
+            <a:spLocks noGrp="1"/>
+          </p:cNvSpPr>
+          <p:nvPr>
+            <p:ph idx="1"/>
+          </p:nvPr>
+        </p:nvSpPr>
+        <p:spPr/>
+        <p:txBody>
+          <a:bodyPr/>
+          <a:lstStyle/>
+          <a:p>
+            <a:r>
+              <a:rPr lang="zh-CN" altLang="en-US" dirty="0"/>
+              <a:t>以</a:t>
+            </a:r>
+            <a:r>
+              <a:rPr lang="en-US" altLang="zh-CN" dirty="0"/>
+              <a:t>DE436</a:t>
+            </a:r>
+            <a:r>
+              <a:rPr lang="zh-CN" altLang="en-US" dirty="0"/>
+              <a:t>历表的接口格式为基准，自动生成可执行程序，使用同一份源码读取各式历表：</a:t>
+            </a:r>
+            <a:endParaRPr lang="en-US" altLang="zh-CN" dirty="0"/>
+          </a:p>
+          <a:p>
+            <a:pPr lvl="1"/>
+            <a:r>
+              <a:rPr lang="zh-CN" altLang="en-US" dirty="0"/>
+              <a:t>不同版本的</a:t>
+            </a:r>
+            <a:r>
+              <a:rPr lang="en-US" altLang="zh-CN" dirty="0"/>
+              <a:t>DE</a:t>
+            </a:r>
+            <a:r>
+              <a:rPr lang="zh-CN" altLang="en-US" dirty="0"/>
+              <a:t>历表</a:t>
+            </a:r>
+            <a:endParaRPr lang="en-US" altLang="zh-CN" dirty="0"/>
+          </a:p>
+          <a:p>
+            <a:pPr lvl="1"/>
+            <a:r>
+              <a:rPr lang="zh-CN" altLang="en-US" dirty="0"/>
+              <a:t>最新版本的</a:t>
+            </a:r>
+            <a:r>
+              <a:rPr lang="en-US" altLang="zh-CN" dirty="0"/>
+              <a:t>INPOP</a:t>
+            </a:r>
+            <a:r>
+              <a:rPr lang="zh-CN" altLang="en-US" dirty="0"/>
+              <a:t>历表</a:t>
+            </a:r>
+            <a:r>
+              <a:rPr lang="en-US" altLang="zh-CN" dirty="0"/>
+              <a:t>——INPOP17a</a:t>
+            </a:r>
+          </a:p>
+          <a:p>
+            <a:pPr lvl="1"/>
+            <a:r>
+              <a:rPr lang="zh-CN" altLang="en-US" dirty="0"/>
+              <a:t>最新版本的</a:t>
+            </a:r>
+            <a:r>
+              <a:rPr lang="en-US" altLang="zh-CN" dirty="0"/>
+              <a:t>EPM</a:t>
+            </a:r>
+            <a:r>
+              <a:rPr lang="zh-CN" altLang="en-US" dirty="0"/>
+              <a:t>历表</a:t>
+            </a:r>
+            <a:r>
+              <a:rPr lang="en-US" altLang="zh-CN" dirty="0"/>
+              <a:t>——EPM2017</a:t>
+            </a:r>
+            <a:endParaRPr lang="zh-CN" altLang="en-US" dirty="0"/>
+          </a:p>
+        </p:txBody>
+      </p:sp>
+    </p:spTree>
+    <p:extLst>
+      <p:ext uri="{BB962C8B-B14F-4D97-AF65-F5344CB8AC3E}">
+        <p14:creationId xmlns:p14="http://schemas.microsoft.com/office/powerpoint/2010/main" val="145957536"/>
+      </p:ext>
+    </p:extLst>
+  </p:cSld>
+  <p:clrMapOvr>
+    <a:masterClrMapping/>
+  </p:clrMapOvr>
+</p:sld>
+</file>
+
+<file path=ppt/slides/slide17.xml><?xml version="1.0" encoding="utf-8"?>
+<p:sld xmlns:a="http://schemas.openxmlformats.org/drawingml/2006/main" xmlns:r="http://schemas.openxmlformats.org/officeDocument/2006/relationships" xmlns:p="http://schemas.openxmlformats.org/presentationml/2006/main">
+  <p:cSld>
+    <p:spTree>
+      <p:nvGrpSpPr>
+        <p:cNvPr id="1" name=""/>
+        <p:cNvGrpSpPr/>
+        <p:nvPr/>
+      </p:nvGrpSpPr>
+      <p:grpSpPr>
+        <a:xfrm>
+          <a:off x="0" y="0"/>
+          <a:ext cx="0" cy="0"/>
+          <a:chOff x="0" y="0"/>
+          <a:chExt cx="0" cy="0"/>
+        </a:xfrm>
+      </p:grpSpPr>
+      <p:sp>
+        <p:nvSpPr>
+          <p:cNvPr id="2" name="标题 1">
+            <a:extLst>
+              <a:ext uri="{FF2B5EF4-FFF2-40B4-BE49-F238E27FC236}">
+                <a16:creationId xmlns:a16="http://schemas.microsoft.com/office/drawing/2014/main" id="{E6FD390D-BDAC-476C-8630-8462D1E19F9E}"/>
+              </a:ext>
+            </a:extLst>
+          </p:cNvPr>
+          <p:cNvSpPr>
+            <a:spLocks noGrp="1"/>
+          </p:cNvSpPr>
+          <p:nvPr>
+            <p:ph type="title"/>
+          </p:nvPr>
+        </p:nvSpPr>
+        <p:spPr/>
+        <p:txBody>
+          <a:bodyPr/>
+          <a:lstStyle/>
+          <a:p>
+            <a:r>
+              <a:rPr lang="zh-CN" altLang="en-US" dirty="0"/>
+              <a:t>具体工作</a:t>
+            </a:r>
+          </a:p>
+        </p:txBody>
+      </p:sp>
+      <p:sp>
+        <p:nvSpPr>
+          <p:cNvPr id="3" name="内容占位符 2">
+            <a:extLst>
+              <a:ext uri="{FF2B5EF4-FFF2-40B4-BE49-F238E27FC236}">
+                <a16:creationId xmlns:a16="http://schemas.microsoft.com/office/drawing/2014/main" id="{6A542992-4C05-44B1-974A-7F4A2C44797E}"/>
+              </a:ext>
+            </a:extLst>
+          </p:cNvPr>
+          <p:cNvSpPr>
+            <a:spLocks noGrp="1"/>
+          </p:cNvSpPr>
+          <p:nvPr>
+            <p:ph idx="1"/>
+          </p:nvPr>
+        </p:nvSpPr>
+        <p:spPr/>
+        <p:txBody>
+          <a:bodyPr/>
+          <a:lstStyle/>
+          <a:p>
+            <a:r>
+              <a:rPr lang="zh-CN" altLang="en-US" dirty="0"/>
+              <a:t>重写</a:t>
+            </a:r>
+            <a:r>
+              <a:rPr lang="en-US" altLang="zh-CN" dirty="0"/>
+              <a:t>asc2eph.f</a:t>
+            </a:r>
+            <a:r>
+              <a:rPr lang="zh-CN" altLang="en-US" dirty="0"/>
+              <a:t>为</a:t>
+            </a:r>
+            <a:r>
+              <a:rPr lang="en-US" altLang="zh-CN" dirty="0"/>
+              <a:t>asc2eph.cpp</a:t>
+            </a:r>
+            <a:r>
+              <a:rPr lang="zh-CN" altLang="en-US" dirty="0"/>
+              <a:t>，利用</a:t>
+            </a:r>
+            <a:r>
+              <a:rPr lang="en-US" altLang="zh-CN" dirty="0"/>
+              <a:t>C++</a:t>
+            </a:r>
+            <a:r>
+              <a:rPr lang="zh-CN" altLang="en-US" dirty="0"/>
+              <a:t>生成二进制历表，并统一格式。</a:t>
+            </a:r>
+            <a:endParaRPr lang="en-US" altLang="zh-CN" dirty="0"/>
+          </a:p>
+          <a:p>
+            <a:r>
+              <a:rPr lang="zh-CN" altLang="en-US" dirty="0"/>
+              <a:t>修改</a:t>
+            </a:r>
+            <a:r>
+              <a:rPr lang="en-US" altLang="zh-CN" dirty="0" err="1"/>
+              <a:t>testeph.f</a:t>
+            </a:r>
+            <a:r>
+              <a:rPr lang="zh-CN" altLang="en-US" dirty="0"/>
+              <a:t>，分离出查询程序，利用其生成自己的主程序。</a:t>
+            </a:r>
+            <a:endParaRPr lang="en-US" altLang="zh-CN" dirty="0"/>
+          </a:p>
+          <a:p>
+            <a:r>
+              <a:rPr lang="zh-CN" altLang="en-US" dirty="0"/>
+              <a:t>编写</a:t>
+            </a:r>
+            <a:r>
+              <a:rPr lang="en-US" altLang="zh-CN" dirty="0"/>
+              <a:t>makeit.py</a:t>
+            </a:r>
+            <a:r>
+              <a:rPr lang="zh-CN" altLang="en-US" dirty="0"/>
+              <a:t>，一键自动化编译、生成二进制历表文件并测试，简化工作流程。</a:t>
+            </a:r>
+          </a:p>
+        </p:txBody>
+      </p:sp>
+    </p:spTree>
+    <p:extLst>
+      <p:ext uri="{BB962C8B-B14F-4D97-AF65-F5344CB8AC3E}">
+        <p14:creationId xmlns:p14="http://schemas.microsoft.com/office/powerpoint/2010/main" val="159888849"/>
+      </p:ext>
+    </p:extLst>
+  </p:cSld>
+  <p:clrMapOvr>
+    <a:masterClrMapping/>
+  </p:clrMapOvr>
+</p:sld>
+</file>
+
+<file path=ppt/slides/slide18.xml><?xml version="1.0" encoding="utf-8"?>
+<p:sld xmlns:a="http://schemas.openxmlformats.org/drawingml/2006/main" xmlns:r="http://schemas.openxmlformats.org/officeDocument/2006/relationships" xmlns:p="http://schemas.openxmlformats.org/presentationml/2006/main">
+  <p:cSld>
+    <p:spTree>
+      <p:nvGrpSpPr>
+        <p:cNvPr id="1" name=""/>
+        <p:cNvGrpSpPr/>
+        <p:nvPr/>
+      </p:nvGrpSpPr>
+      <p:grpSpPr>
+        <a:xfrm>
+          <a:off x="0" y="0"/>
+          <a:ext cx="0" cy="0"/>
+          <a:chOff x="0" y="0"/>
+          <a:chExt cx="0" cy="0"/>
+        </a:xfrm>
+      </p:grpSpPr>
+      <p:sp>
+        <p:nvSpPr>
+          <p:cNvPr id="2" name="标题 1">
+            <a:extLst>
+              <a:ext uri="{FF2B5EF4-FFF2-40B4-BE49-F238E27FC236}">
                 <a16:creationId xmlns:a16="http://schemas.microsoft.com/office/drawing/2014/main" id="{BCC6875C-6B5B-476B-80C8-B8A1267A23B2}"/>
               </a:ext>
             </a:extLst>
@@ -6775,7 +7079,7 @@
 </p:sld>
 </file>
 
-<file path=ppt/slides/slide17.xml><?xml version="1.0" encoding="utf-8"?>
+<file path=ppt/slides/slide19.xml><?xml version="1.0" encoding="utf-8"?>
 <p:sld xmlns:a="http://schemas.openxmlformats.org/drawingml/2006/main" xmlns:r="http://schemas.openxmlformats.org/officeDocument/2006/relationships" xmlns:p="http://schemas.openxmlformats.org/presentationml/2006/main">
   <p:cSld>
     <p:spTree>
@@ -6932,810 +7236,6 @@
 </p:sld>
 </file>
 
-<file path=ppt/slides/slide18.xml><?xml version="1.0" encoding="utf-8"?>
-<p:sld xmlns:a="http://schemas.openxmlformats.org/drawingml/2006/main" xmlns:r="http://schemas.openxmlformats.org/officeDocument/2006/relationships" xmlns:p="http://schemas.openxmlformats.org/presentationml/2006/main">
-  <p:cSld>
-    <p:spTree>
-      <p:nvGrpSpPr>
-        <p:cNvPr id="1" name=""/>
-        <p:cNvGrpSpPr/>
-        <p:nvPr/>
-      </p:nvGrpSpPr>
-      <p:grpSpPr>
-        <a:xfrm>
-          <a:off x="0" y="0"/>
-          <a:ext cx="0" cy="0"/>
-          <a:chOff x="0" y="0"/>
-          <a:chExt cx="0" cy="0"/>
-        </a:xfrm>
-      </p:grpSpPr>
-      <p:sp>
-        <p:nvSpPr>
-          <p:cNvPr id="2" name="标题 1">
-            <a:extLst>
-              <a:ext uri="{FF2B5EF4-FFF2-40B4-BE49-F238E27FC236}">
-                <a16:creationId xmlns:a16="http://schemas.microsoft.com/office/drawing/2014/main" id="{7F7657E6-14A1-4065-98FF-D67DD0C1EDC5}"/>
-              </a:ext>
-            </a:extLst>
-          </p:cNvPr>
-          <p:cNvSpPr>
-            <a:spLocks noGrp="1"/>
-          </p:cNvSpPr>
-          <p:nvPr>
-            <p:ph type="title"/>
-          </p:nvPr>
-        </p:nvSpPr>
-        <p:spPr/>
-        <p:txBody>
-          <a:bodyPr/>
-          <a:lstStyle/>
-          <a:p>
-            <a:r>
-              <a:rPr lang="zh-CN" altLang="en-US" dirty="0"/>
-              <a:t>三个历表的比较</a:t>
-            </a:r>
-          </a:p>
-        </p:txBody>
-      </p:sp>
-      <p:sp>
-        <p:nvSpPr>
-          <p:cNvPr id="3" name="内容占位符 2">
-            <a:extLst>
-              <a:ext uri="{FF2B5EF4-FFF2-40B4-BE49-F238E27FC236}">
-                <a16:creationId xmlns:a16="http://schemas.microsoft.com/office/drawing/2014/main" id="{B5DFE676-2474-4AD3-BFA9-5DCD30B76AF6}"/>
-              </a:ext>
-            </a:extLst>
-          </p:cNvPr>
-          <p:cNvSpPr>
-            <a:spLocks noGrp="1"/>
-          </p:cNvSpPr>
-          <p:nvPr>
-            <p:ph idx="1"/>
-          </p:nvPr>
-        </p:nvSpPr>
-        <p:spPr/>
-        <p:txBody>
-          <a:bodyPr/>
-          <a:lstStyle/>
-          <a:p>
-            <a:r>
-              <a:rPr lang="en-US" altLang="zh-CN" dirty="0"/>
-              <a:t>DE436</a:t>
-            </a:r>
-            <a:r>
-              <a:rPr lang="zh-CN" altLang="en-US" dirty="0"/>
-              <a:t>、</a:t>
-            </a:r>
-            <a:r>
-              <a:rPr lang="en-US" altLang="zh-CN" dirty="0"/>
-              <a:t>INPOP17a</a:t>
-            </a:r>
-            <a:r>
-              <a:rPr lang="zh-CN" altLang="en-US" dirty="0"/>
-              <a:t>、</a:t>
-            </a:r>
-            <a:r>
-              <a:rPr lang="en-US" altLang="zh-CN" dirty="0"/>
-              <a:t>EPM2017</a:t>
-            </a:r>
-            <a:r>
-              <a:rPr lang="zh-CN" altLang="en-US" dirty="0"/>
-              <a:t>三个历表的精度都很高，给出</a:t>
-            </a:r>
-            <a:r>
-              <a:rPr lang="en-US" altLang="zh-CN" dirty="0"/>
-              <a:t>INPOP17a</a:t>
-            </a:r>
-            <a:r>
-              <a:rPr lang="zh-CN" altLang="en-US" dirty="0"/>
-              <a:t>和</a:t>
-            </a:r>
-            <a:r>
-              <a:rPr lang="en-US" altLang="zh-CN" dirty="0"/>
-              <a:t>EPM2017</a:t>
-            </a:r>
-            <a:r>
-              <a:rPr lang="zh-CN" altLang="en-US" dirty="0"/>
-              <a:t>与</a:t>
-            </a:r>
-            <a:r>
-              <a:rPr lang="en-US" altLang="zh-CN" dirty="0"/>
-              <a:t>DE436</a:t>
-            </a:r>
-            <a:r>
-              <a:rPr lang="zh-CN" altLang="en-US" dirty="0"/>
-              <a:t>的差距：</a:t>
-            </a:r>
-            <a:endParaRPr lang="en-US" altLang="zh-CN" dirty="0"/>
-          </a:p>
-          <a:p>
-            <a:endParaRPr lang="zh-CN" altLang="en-US" dirty="0"/>
-          </a:p>
-        </p:txBody>
-      </p:sp>
-      <p:pic>
-        <p:nvPicPr>
-          <p:cNvPr id="4" name="图片 3">
-            <a:extLst>
-              <a:ext uri="{FF2B5EF4-FFF2-40B4-BE49-F238E27FC236}">
-                <a16:creationId xmlns:a16="http://schemas.microsoft.com/office/drawing/2014/main" id="{50E48A00-6CE3-4F22-AFEF-5D8D56F2AF66}"/>
-              </a:ext>
-            </a:extLst>
-          </p:cNvPr>
-          <p:cNvPicPr/>
-          <p:nvPr/>
-        </p:nvPicPr>
-        <p:blipFill>
-          <a:blip r:embed="rId2" cstate="print">
-            <a:extLst>
-              <a:ext uri="{28A0092B-C50C-407E-A947-70E740481C1C}">
-                <a14:useLocalDpi xmlns:a14="http://schemas.microsoft.com/office/drawing/2010/main" val="0"/>
-              </a:ext>
-            </a:extLst>
-          </a:blip>
-          <a:stretch>
-            <a:fillRect/>
-          </a:stretch>
-        </p:blipFill>
-        <p:spPr>
-          <a:xfrm>
-            <a:off x="2150791" y="3429000"/>
-            <a:ext cx="3108691" cy="2342055"/>
-          </a:xfrm>
-          <a:prstGeom prst="rect">
-            <a:avLst/>
-          </a:prstGeom>
-        </p:spPr>
-      </p:pic>
-      <p:graphicFrame>
-        <p:nvGraphicFramePr>
-          <p:cNvPr id="5" name="表格 4">
-            <a:extLst>
-              <a:ext uri="{FF2B5EF4-FFF2-40B4-BE49-F238E27FC236}">
-                <a16:creationId xmlns:a16="http://schemas.microsoft.com/office/drawing/2014/main" id="{6ED20F2F-330C-45C2-8B61-46E3AFC1DBAA}"/>
-              </a:ext>
-            </a:extLst>
-          </p:cNvPr>
-          <p:cNvGraphicFramePr>
-            <a:graphicFrameLocks noGrp="1"/>
-          </p:cNvGraphicFramePr>
-          <p:nvPr>
-            <p:extLst>
-              <p:ext uri="{D42A27DB-BD31-4B8C-83A1-F6EECF244321}">
-                <p14:modId xmlns:p14="http://schemas.microsoft.com/office/powerpoint/2010/main" val="1172037341"/>
-              </p:ext>
-            </p:extLst>
-          </p:nvPr>
-        </p:nvGraphicFramePr>
-        <p:xfrm>
-          <a:off x="5813214" y="4106123"/>
-          <a:ext cx="5267960" cy="987808"/>
-        </p:xfrm>
-        <a:graphic>
-          <a:graphicData uri="http://schemas.openxmlformats.org/drawingml/2006/table">
-            <a:tbl>
-              <a:tblPr firstRow="1" firstCol="1" bandRow="1">
-                <a:tableStyleId>{5C22544A-7EE6-4342-B048-85BDC9FD1C3A}</a:tableStyleId>
-              </a:tblPr>
-              <a:tblGrid>
-                <a:gridCol w="1316990">
-                  <a:extLst>
-                    <a:ext uri="{9D8B030D-6E8A-4147-A177-3AD203B41FA5}">
-                      <a16:colId xmlns:a16="http://schemas.microsoft.com/office/drawing/2014/main" val="979412526"/>
-                    </a:ext>
-                  </a:extLst>
-                </a:gridCol>
-                <a:gridCol w="1316990">
-                  <a:extLst>
-                    <a:ext uri="{9D8B030D-6E8A-4147-A177-3AD203B41FA5}">
-                      <a16:colId xmlns:a16="http://schemas.microsoft.com/office/drawing/2014/main" val="266482439"/>
-                    </a:ext>
-                  </a:extLst>
-                </a:gridCol>
-                <a:gridCol w="1316990">
-                  <a:extLst>
-                    <a:ext uri="{9D8B030D-6E8A-4147-A177-3AD203B41FA5}">
-                      <a16:colId xmlns:a16="http://schemas.microsoft.com/office/drawing/2014/main" val="3510242969"/>
-                    </a:ext>
-                  </a:extLst>
-                </a:gridCol>
-                <a:gridCol w="1316990">
-                  <a:extLst>
-                    <a:ext uri="{9D8B030D-6E8A-4147-A177-3AD203B41FA5}">
-                      <a16:colId xmlns:a16="http://schemas.microsoft.com/office/drawing/2014/main" val="3021320391"/>
-                    </a:ext>
-                  </a:extLst>
-                </a:gridCol>
-              </a:tblGrid>
-              <a:tr h="0">
-                <a:tc>
-                  <a:txBody>
-                    <a:bodyPr/>
-                    <a:lstStyle/>
-                    <a:p>
-                      <a:pPr algn="l">
-                        <a:lnSpc>
-                          <a:spcPct val="150000"/>
-                        </a:lnSpc>
-                        <a:spcAft>
-                          <a:spcPts val="0"/>
-                        </a:spcAft>
-                      </a:pPr>
-                      <a:r>
-                        <a:rPr lang="en-US" sz="1200" kern="100">
-                          <a:effectLst/>
-                        </a:rPr>
-                        <a:t> </a:t>
-                      </a:r>
-                      <a:endParaRPr lang="zh-CN" sz="1050" kern="100">
-                        <a:effectLst/>
-                        <a:latin typeface="Times New Roman" panose="02020603050405020304" pitchFamily="18" charset="0"/>
-                        <a:ea typeface="宋体" panose="02010600030101010101" pitchFamily="2" charset="-122"/>
-                      </a:endParaRPr>
-                    </a:p>
-                  </a:txBody>
-                  <a:tcPr marL="68580" marR="68580" marT="0" marB="0"/>
-                </a:tc>
-                <a:tc>
-                  <a:txBody>
-                    <a:bodyPr/>
-                    <a:lstStyle/>
-                    <a:p>
-                      <a:pPr algn="l">
-                        <a:lnSpc>
-                          <a:spcPct val="150000"/>
-                        </a:lnSpc>
-                        <a:spcAft>
-                          <a:spcPts val="0"/>
-                        </a:spcAft>
-                      </a:pPr>
-                      <a:r>
-                        <a:rPr lang="en-US" sz="1200" kern="100">
-                          <a:effectLst/>
-                        </a:rPr>
-                        <a:t>DE436</a:t>
-                      </a:r>
-                      <a:endParaRPr lang="zh-CN" sz="1050" kern="100">
-                        <a:effectLst/>
-                        <a:latin typeface="Times New Roman" panose="02020603050405020304" pitchFamily="18" charset="0"/>
-                        <a:ea typeface="宋体" panose="02010600030101010101" pitchFamily="2" charset="-122"/>
-                      </a:endParaRPr>
-                    </a:p>
-                  </a:txBody>
-                  <a:tcPr marL="68580" marR="68580" marT="0" marB="0"/>
-                </a:tc>
-                <a:tc>
-                  <a:txBody>
-                    <a:bodyPr/>
-                    <a:lstStyle/>
-                    <a:p>
-                      <a:pPr algn="l">
-                        <a:lnSpc>
-                          <a:spcPct val="150000"/>
-                        </a:lnSpc>
-                        <a:spcAft>
-                          <a:spcPts val="0"/>
-                        </a:spcAft>
-                      </a:pPr>
-                      <a:r>
-                        <a:rPr lang="en-US" sz="1200" kern="100">
-                          <a:effectLst/>
-                        </a:rPr>
-                        <a:t>INPOP17a</a:t>
-                      </a:r>
-                      <a:endParaRPr lang="zh-CN" sz="1050" kern="100">
-                        <a:effectLst/>
-                        <a:latin typeface="Times New Roman" panose="02020603050405020304" pitchFamily="18" charset="0"/>
-                        <a:ea typeface="宋体" panose="02010600030101010101" pitchFamily="2" charset="-122"/>
-                      </a:endParaRPr>
-                    </a:p>
-                  </a:txBody>
-                  <a:tcPr marL="68580" marR="68580" marT="0" marB="0"/>
-                </a:tc>
-                <a:tc>
-                  <a:txBody>
-                    <a:bodyPr/>
-                    <a:lstStyle/>
-                    <a:p>
-                      <a:pPr algn="l">
-                        <a:lnSpc>
-                          <a:spcPct val="150000"/>
-                        </a:lnSpc>
-                        <a:spcAft>
-                          <a:spcPts val="0"/>
-                        </a:spcAft>
-                      </a:pPr>
-                      <a:r>
-                        <a:rPr lang="en-US" sz="1200" kern="100">
-                          <a:effectLst/>
-                        </a:rPr>
-                        <a:t>EPM2017</a:t>
-                      </a:r>
-                      <a:endParaRPr lang="zh-CN" sz="1050" kern="100">
-                        <a:effectLst/>
-                        <a:latin typeface="Times New Roman" panose="02020603050405020304" pitchFamily="18" charset="0"/>
-                        <a:ea typeface="宋体" panose="02010600030101010101" pitchFamily="2" charset="-122"/>
-                      </a:endParaRPr>
-                    </a:p>
-                  </a:txBody>
-                  <a:tcPr marL="68580" marR="68580" marT="0" marB="0"/>
-                </a:tc>
-                <a:extLst>
-                  <a:ext uri="{0D108BD9-81ED-4DB2-BD59-A6C34878D82A}">
-                    <a16:rowId xmlns:a16="http://schemas.microsoft.com/office/drawing/2014/main" val="2777996045"/>
-                  </a:ext>
-                </a:extLst>
-              </a:tr>
-              <a:tr h="0">
-                <a:tc>
-                  <a:txBody>
-                    <a:bodyPr/>
-                    <a:lstStyle/>
-                    <a:p>
-                      <a:pPr algn="l">
-                        <a:lnSpc>
-                          <a:spcPct val="150000"/>
-                        </a:lnSpc>
-                        <a:spcAft>
-                          <a:spcPts val="0"/>
-                        </a:spcAft>
-                      </a:pPr>
-                      <a:r>
-                        <a:rPr lang="en-US" sz="1200" kern="100">
-                          <a:effectLst/>
-                        </a:rPr>
-                        <a:t>DE436</a:t>
-                      </a:r>
-                      <a:endParaRPr lang="zh-CN" sz="1050" kern="100">
-                        <a:effectLst/>
-                        <a:latin typeface="Times New Roman" panose="02020603050405020304" pitchFamily="18" charset="0"/>
-                        <a:ea typeface="宋体" panose="02010600030101010101" pitchFamily="2" charset="-122"/>
-                      </a:endParaRPr>
-                    </a:p>
-                  </a:txBody>
-                  <a:tcPr marL="68580" marR="68580" marT="0" marB="0"/>
-                </a:tc>
-                <a:tc>
-                  <a:txBody>
-                    <a:bodyPr/>
-                    <a:lstStyle/>
-                    <a:p>
-                      <a:pPr algn="l">
-                        <a:lnSpc>
-                          <a:spcPct val="150000"/>
-                        </a:lnSpc>
-                        <a:spcAft>
-                          <a:spcPts val="0"/>
-                        </a:spcAft>
-                      </a:pPr>
-                      <a:r>
-                        <a:rPr lang="en-US" sz="1200" kern="100">
-                          <a:effectLst/>
-                        </a:rPr>
-                        <a:t>----------</a:t>
-                      </a:r>
-                      <a:endParaRPr lang="zh-CN" sz="1050" kern="100">
-                        <a:effectLst/>
-                        <a:latin typeface="Times New Roman" panose="02020603050405020304" pitchFamily="18" charset="0"/>
-                        <a:ea typeface="宋体" panose="02010600030101010101" pitchFamily="2" charset="-122"/>
-                      </a:endParaRPr>
-                    </a:p>
-                  </a:txBody>
-                  <a:tcPr marL="68580" marR="68580" marT="0" marB="0"/>
-                </a:tc>
-                <a:tc>
-                  <a:txBody>
-                    <a:bodyPr/>
-                    <a:lstStyle/>
-                    <a:p>
-                      <a:pPr algn="l">
-                        <a:lnSpc>
-                          <a:spcPct val="150000"/>
-                        </a:lnSpc>
-                        <a:spcAft>
-                          <a:spcPts val="0"/>
-                        </a:spcAft>
-                      </a:pPr>
-                      <a:r>
-                        <a:rPr lang="en-US" sz="1200" kern="100">
-                          <a:effectLst/>
-                        </a:rPr>
-                        <a:t>0.199633964</a:t>
-                      </a:r>
-                      <a:endParaRPr lang="zh-CN" sz="1050" kern="100">
-                        <a:effectLst/>
-                        <a:latin typeface="Times New Roman" panose="02020603050405020304" pitchFamily="18" charset="0"/>
-                        <a:ea typeface="宋体" panose="02010600030101010101" pitchFamily="2" charset="-122"/>
-                      </a:endParaRPr>
-                    </a:p>
-                  </a:txBody>
-                  <a:tcPr marL="68580" marR="68580" marT="0" marB="0"/>
-                </a:tc>
-                <a:tc>
-                  <a:txBody>
-                    <a:bodyPr/>
-                    <a:lstStyle/>
-                    <a:p>
-                      <a:pPr algn="l">
-                        <a:lnSpc>
-                          <a:spcPct val="150000"/>
-                        </a:lnSpc>
-                        <a:spcAft>
-                          <a:spcPts val="0"/>
-                        </a:spcAft>
-                      </a:pPr>
-                      <a:r>
-                        <a:rPr lang="en-US" sz="1200" kern="100">
-                          <a:effectLst/>
-                        </a:rPr>
-                        <a:t>0.303605381</a:t>
-                      </a:r>
-                      <a:endParaRPr lang="zh-CN" sz="1050" kern="100">
-                        <a:effectLst/>
-                        <a:latin typeface="Times New Roman" panose="02020603050405020304" pitchFamily="18" charset="0"/>
-                        <a:ea typeface="宋体" panose="02010600030101010101" pitchFamily="2" charset="-122"/>
-                      </a:endParaRPr>
-                    </a:p>
-                  </a:txBody>
-                  <a:tcPr marL="68580" marR="68580" marT="0" marB="0"/>
-                </a:tc>
-                <a:extLst>
-                  <a:ext uri="{0D108BD9-81ED-4DB2-BD59-A6C34878D82A}">
-                    <a16:rowId xmlns:a16="http://schemas.microsoft.com/office/drawing/2014/main" val="4168467665"/>
-                  </a:ext>
-                </a:extLst>
-              </a:tr>
-              <a:tr h="0">
-                <a:tc>
-                  <a:txBody>
-                    <a:bodyPr/>
-                    <a:lstStyle/>
-                    <a:p>
-                      <a:pPr algn="l">
-                        <a:lnSpc>
-                          <a:spcPct val="150000"/>
-                        </a:lnSpc>
-                        <a:spcAft>
-                          <a:spcPts val="0"/>
-                        </a:spcAft>
-                      </a:pPr>
-                      <a:r>
-                        <a:rPr lang="en-US" sz="1200" kern="100">
-                          <a:effectLst/>
-                        </a:rPr>
-                        <a:t>INPOP17a</a:t>
-                      </a:r>
-                      <a:endParaRPr lang="zh-CN" sz="1050" kern="100">
-                        <a:effectLst/>
-                        <a:latin typeface="Times New Roman" panose="02020603050405020304" pitchFamily="18" charset="0"/>
-                        <a:ea typeface="宋体" panose="02010600030101010101" pitchFamily="2" charset="-122"/>
-                      </a:endParaRPr>
-                    </a:p>
-                  </a:txBody>
-                  <a:tcPr marL="68580" marR="68580" marT="0" marB="0"/>
-                </a:tc>
-                <a:tc>
-                  <a:txBody>
-                    <a:bodyPr/>
-                    <a:lstStyle/>
-                    <a:p>
-                      <a:pPr algn="l">
-                        <a:lnSpc>
-                          <a:spcPct val="150000"/>
-                        </a:lnSpc>
-                        <a:spcAft>
-                          <a:spcPts val="0"/>
-                        </a:spcAft>
-                      </a:pPr>
-                      <a:r>
-                        <a:rPr lang="en-US" sz="1200" kern="100">
-                          <a:effectLst/>
-                        </a:rPr>
-                        <a:t>4.01256*10</a:t>
-                      </a:r>
-                      <a:r>
-                        <a:rPr lang="en-US" sz="1200" kern="100" baseline="30000">
-                          <a:effectLst/>
-                        </a:rPr>
-                        <a:t>-8</a:t>
-                      </a:r>
-                      <a:endParaRPr lang="zh-CN" sz="1050" kern="100">
-                        <a:effectLst/>
-                        <a:latin typeface="Times New Roman" panose="02020603050405020304" pitchFamily="18" charset="0"/>
-                        <a:ea typeface="宋体" panose="02010600030101010101" pitchFamily="2" charset="-122"/>
-                      </a:endParaRPr>
-                    </a:p>
-                  </a:txBody>
-                  <a:tcPr marL="68580" marR="68580" marT="0" marB="0"/>
-                </a:tc>
-                <a:tc>
-                  <a:txBody>
-                    <a:bodyPr/>
-                    <a:lstStyle/>
-                    <a:p>
-                      <a:pPr algn="l">
-                        <a:lnSpc>
-                          <a:spcPct val="150000"/>
-                        </a:lnSpc>
-                        <a:spcAft>
-                          <a:spcPts val="0"/>
-                        </a:spcAft>
-                      </a:pPr>
-                      <a:r>
-                        <a:rPr lang="en-US" sz="1200" kern="100">
-                          <a:effectLst/>
-                        </a:rPr>
-                        <a:t>----------</a:t>
-                      </a:r>
-                      <a:endParaRPr lang="zh-CN" sz="1050" kern="100">
-                        <a:effectLst/>
-                        <a:latin typeface="Times New Roman" panose="02020603050405020304" pitchFamily="18" charset="0"/>
-                        <a:ea typeface="宋体" panose="02010600030101010101" pitchFamily="2" charset="-122"/>
-                      </a:endParaRPr>
-                    </a:p>
-                  </a:txBody>
-                  <a:tcPr marL="68580" marR="68580" marT="0" marB="0"/>
-                </a:tc>
-                <a:tc>
-                  <a:txBody>
-                    <a:bodyPr/>
-                    <a:lstStyle/>
-                    <a:p>
-                      <a:pPr algn="l">
-                        <a:lnSpc>
-                          <a:spcPct val="150000"/>
-                        </a:lnSpc>
-                        <a:spcAft>
-                          <a:spcPts val="0"/>
-                        </a:spcAft>
-                      </a:pPr>
-                      <a:r>
-                        <a:rPr lang="en-US" sz="1200" kern="100">
-                          <a:effectLst/>
-                        </a:rPr>
-                        <a:t>0.326160743</a:t>
-                      </a:r>
-                      <a:endParaRPr lang="zh-CN" sz="1050" kern="100">
-                        <a:effectLst/>
-                        <a:latin typeface="Times New Roman" panose="02020603050405020304" pitchFamily="18" charset="0"/>
-                        <a:ea typeface="宋体" panose="02010600030101010101" pitchFamily="2" charset="-122"/>
-                      </a:endParaRPr>
-                    </a:p>
-                  </a:txBody>
-                  <a:tcPr marL="68580" marR="68580" marT="0" marB="0"/>
-                </a:tc>
-                <a:extLst>
-                  <a:ext uri="{0D108BD9-81ED-4DB2-BD59-A6C34878D82A}">
-                    <a16:rowId xmlns:a16="http://schemas.microsoft.com/office/drawing/2014/main" val="2230293179"/>
-                  </a:ext>
-                </a:extLst>
-              </a:tr>
-              <a:tr h="0">
-                <a:tc>
-                  <a:txBody>
-                    <a:bodyPr/>
-                    <a:lstStyle/>
-                    <a:p>
-                      <a:pPr algn="l">
-                        <a:lnSpc>
-                          <a:spcPct val="150000"/>
-                        </a:lnSpc>
-                        <a:spcAft>
-                          <a:spcPts val="0"/>
-                        </a:spcAft>
-                      </a:pPr>
-                      <a:r>
-                        <a:rPr lang="en-US" sz="1200" kern="100">
-                          <a:effectLst/>
-                        </a:rPr>
-                        <a:t>EPM2017</a:t>
-                      </a:r>
-                      <a:endParaRPr lang="zh-CN" sz="1050" kern="100">
-                        <a:effectLst/>
-                        <a:latin typeface="Times New Roman" panose="02020603050405020304" pitchFamily="18" charset="0"/>
-                        <a:ea typeface="宋体" panose="02010600030101010101" pitchFamily="2" charset="-122"/>
-                      </a:endParaRPr>
-                    </a:p>
-                  </a:txBody>
-                  <a:tcPr marL="68580" marR="68580" marT="0" marB="0"/>
-                </a:tc>
-                <a:tc>
-                  <a:txBody>
-                    <a:bodyPr/>
-                    <a:lstStyle/>
-                    <a:p>
-                      <a:pPr algn="l">
-                        <a:lnSpc>
-                          <a:spcPct val="150000"/>
-                        </a:lnSpc>
-                        <a:spcAft>
-                          <a:spcPts val="0"/>
-                        </a:spcAft>
-                      </a:pPr>
-                      <a:r>
-                        <a:rPr lang="en-US" sz="1200" kern="100">
-                          <a:effectLst/>
-                        </a:rPr>
-                        <a:t>6.06862*10</a:t>
-                      </a:r>
-                      <a:r>
-                        <a:rPr lang="en-US" sz="1200" kern="100" baseline="30000">
-                          <a:effectLst/>
-                        </a:rPr>
-                        <a:t>-8</a:t>
-                      </a:r>
-                      <a:endParaRPr lang="zh-CN" sz="1050" kern="100">
-                        <a:effectLst/>
-                        <a:latin typeface="Times New Roman" panose="02020603050405020304" pitchFamily="18" charset="0"/>
-                        <a:ea typeface="宋体" panose="02010600030101010101" pitchFamily="2" charset="-122"/>
-                      </a:endParaRPr>
-                    </a:p>
-                  </a:txBody>
-                  <a:tcPr marL="68580" marR="68580" marT="0" marB="0"/>
-                </a:tc>
-                <a:tc>
-                  <a:txBody>
-                    <a:bodyPr/>
-                    <a:lstStyle/>
-                    <a:p>
-                      <a:pPr algn="l">
-                        <a:lnSpc>
-                          <a:spcPct val="150000"/>
-                        </a:lnSpc>
-                        <a:spcAft>
-                          <a:spcPts val="0"/>
-                        </a:spcAft>
-                      </a:pPr>
-                      <a:r>
-                        <a:rPr lang="en-US" sz="1200" kern="100">
-                          <a:effectLst/>
-                        </a:rPr>
-                        <a:t>6.58242*10</a:t>
-                      </a:r>
-                      <a:r>
-                        <a:rPr lang="en-US" sz="1200" kern="100" baseline="30000">
-                          <a:effectLst/>
-                        </a:rPr>
-                        <a:t>-8</a:t>
-                      </a:r>
-                      <a:endParaRPr lang="zh-CN" sz="1050" kern="100">
-                        <a:effectLst/>
-                        <a:latin typeface="Times New Roman" panose="02020603050405020304" pitchFamily="18" charset="0"/>
-                        <a:ea typeface="宋体" panose="02010600030101010101" pitchFamily="2" charset="-122"/>
-                      </a:endParaRPr>
-                    </a:p>
-                  </a:txBody>
-                  <a:tcPr marL="68580" marR="68580" marT="0" marB="0"/>
-                </a:tc>
-                <a:tc>
-                  <a:txBody>
-                    <a:bodyPr/>
-                    <a:lstStyle/>
-                    <a:p>
-                      <a:pPr algn="l">
-                        <a:lnSpc>
-                          <a:spcPct val="150000"/>
-                        </a:lnSpc>
-                        <a:spcAft>
-                          <a:spcPts val="0"/>
-                        </a:spcAft>
-                      </a:pPr>
-                      <a:r>
-                        <a:rPr lang="en-US" sz="1200" kern="100" dirty="0">
-                          <a:effectLst/>
-                        </a:rPr>
-                        <a:t>----------</a:t>
-                      </a:r>
-                      <a:endParaRPr lang="zh-CN" sz="1050" kern="100" dirty="0">
-                        <a:effectLst/>
-                        <a:latin typeface="Times New Roman" panose="02020603050405020304" pitchFamily="18" charset="0"/>
-                        <a:ea typeface="宋体" panose="02010600030101010101" pitchFamily="2" charset="-122"/>
-                      </a:endParaRPr>
-                    </a:p>
-                  </a:txBody>
-                  <a:tcPr marL="68580" marR="68580" marT="0" marB="0"/>
-                </a:tc>
-                <a:extLst>
-                  <a:ext uri="{0D108BD9-81ED-4DB2-BD59-A6C34878D82A}">
-                    <a16:rowId xmlns:a16="http://schemas.microsoft.com/office/drawing/2014/main" val="2764310743"/>
-                  </a:ext>
-                </a:extLst>
-              </a:tr>
-            </a:tbl>
-          </a:graphicData>
-        </a:graphic>
-      </p:graphicFrame>
-    </p:spTree>
-    <p:extLst>
-      <p:ext uri="{BB962C8B-B14F-4D97-AF65-F5344CB8AC3E}">
-        <p14:creationId xmlns:p14="http://schemas.microsoft.com/office/powerpoint/2010/main" val="3500190462"/>
-      </p:ext>
-    </p:extLst>
-  </p:cSld>
-  <p:clrMapOvr>
-    <a:masterClrMapping/>
-  </p:clrMapOvr>
-</p:sld>
-</file>
-
-<file path=ppt/slides/slide19.xml><?xml version="1.0" encoding="utf-8"?>
-<p:sld xmlns:a="http://schemas.openxmlformats.org/drawingml/2006/main" xmlns:r="http://schemas.openxmlformats.org/officeDocument/2006/relationships" xmlns:p="http://schemas.openxmlformats.org/presentationml/2006/main">
-  <p:cSld>
-    <p:spTree>
-      <p:nvGrpSpPr>
-        <p:cNvPr id="1" name=""/>
-        <p:cNvGrpSpPr/>
-        <p:nvPr/>
-      </p:nvGrpSpPr>
-      <p:grpSpPr>
-        <a:xfrm>
-          <a:off x="0" y="0"/>
-          <a:ext cx="0" cy="0"/>
-          <a:chOff x="0" y="0"/>
-          <a:chExt cx="0" cy="0"/>
-        </a:xfrm>
-      </p:grpSpPr>
-      <p:sp>
-        <p:nvSpPr>
-          <p:cNvPr id="2" name="标题 1">
-            <a:extLst>
-              <a:ext uri="{FF2B5EF4-FFF2-40B4-BE49-F238E27FC236}">
-                <a16:creationId xmlns:a16="http://schemas.microsoft.com/office/drawing/2014/main" id="{BCC6875C-6B5B-476B-80C8-B8A1267A23B2}"/>
-              </a:ext>
-            </a:extLst>
-          </p:cNvPr>
-          <p:cNvSpPr>
-            <a:spLocks noGrp="1"/>
-          </p:cNvSpPr>
-          <p:nvPr>
-            <p:ph type="title"/>
-          </p:nvPr>
-        </p:nvSpPr>
-        <p:spPr>
-          <a:xfrm>
-            <a:off x="1295402" y="982133"/>
-            <a:ext cx="9601196" cy="3438948"/>
-          </a:xfrm>
-        </p:spPr>
-        <p:txBody>
-          <a:bodyPr>
-            <a:normAutofit/>
-          </a:bodyPr>
-          <a:lstStyle/>
-          <a:p>
-            <a:r>
-              <a:rPr lang="en-US" altLang="zh-CN" dirty="0"/>
-              <a:t>Part 5</a:t>
-            </a:r>
-            <a:br>
-              <a:rPr lang="en-US" altLang="zh-CN" dirty="0"/>
-            </a:br>
-            <a:br>
-              <a:rPr lang="en-US" altLang="zh-CN" dirty="0"/>
-            </a:br>
-            <a:br>
-              <a:rPr lang="en-US" altLang="zh-CN" dirty="0"/>
-            </a:br>
-            <a:r>
-              <a:rPr lang="zh-CN" altLang="en-US" dirty="0"/>
-              <a:t>程序演示（时间不足则跳过）</a:t>
-            </a:r>
-          </a:p>
-        </p:txBody>
-      </p:sp>
-    </p:spTree>
-    <p:extLst>
-      <p:ext uri="{BB962C8B-B14F-4D97-AF65-F5344CB8AC3E}">
-        <p14:creationId xmlns:p14="http://schemas.microsoft.com/office/powerpoint/2010/main" val="3144456708"/>
-      </p:ext>
-    </p:extLst>
-  </p:cSld>
-  <p:clrMapOvr>
-    <a:masterClrMapping/>
-  </p:clrMapOvr>
-</p:sld>
-</file>
-
 <file path=ppt/slides/slide2.xml><?xml version="1.0" encoding="utf-8"?>
 <p:sld xmlns:a="http://schemas.openxmlformats.org/drawingml/2006/main" xmlns:r="http://schemas.openxmlformats.org/officeDocument/2006/relationships" xmlns:p="http://schemas.openxmlformats.org/presentationml/2006/main">
   <p:cSld>
@@ -7886,6 +7386,944 @@
           <p:cNvPr id="2" name="标题 1">
             <a:extLst>
               <a:ext uri="{FF2B5EF4-FFF2-40B4-BE49-F238E27FC236}">
+                <a16:creationId xmlns:a16="http://schemas.microsoft.com/office/drawing/2014/main" id="{7F7657E6-14A1-4065-98FF-D67DD0C1EDC5}"/>
+              </a:ext>
+            </a:extLst>
+          </p:cNvPr>
+          <p:cNvSpPr>
+            <a:spLocks noGrp="1"/>
+          </p:cNvSpPr>
+          <p:nvPr>
+            <p:ph type="title"/>
+          </p:nvPr>
+        </p:nvSpPr>
+        <p:spPr/>
+        <p:txBody>
+          <a:bodyPr/>
+          <a:lstStyle/>
+          <a:p>
+            <a:r>
+              <a:rPr lang="zh-CN" altLang="en-US" dirty="0"/>
+              <a:t>三个历表的比较</a:t>
+            </a:r>
+          </a:p>
+        </p:txBody>
+      </p:sp>
+      <p:sp>
+        <p:nvSpPr>
+          <p:cNvPr id="3" name="内容占位符 2">
+            <a:extLst>
+              <a:ext uri="{FF2B5EF4-FFF2-40B4-BE49-F238E27FC236}">
+                <a16:creationId xmlns:a16="http://schemas.microsoft.com/office/drawing/2014/main" id="{B5DFE676-2474-4AD3-BFA9-5DCD30B76AF6}"/>
+              </a:ext>
+            </a:extLst>
+          </p:cNvPr>
+          <p:cNvSpPr>
+            <a:spLocks noGrp="1"/>
+          </p:cNvSpPr>
+          <p:nvPr>
+            <p:ph idx="1"/>
+          </p:nvPr>
+        </p:nvSpPr>
+        <p:spPr/>
+        <p:txBody>
+          <a:bodyPr/>
+          <a:lstStyle/>
+          <a:p>
+            <a:r>
+              <a:rPr lang="en-US" altLang="zh-CN" dirty="0"/>
+              <a:t>DE436</a:t>
+            </a:r>
+            <a:r>
+              <a:rPr lang="zh-CN" altLang="en-US" dirty="0"/>
+              <a:t>、</a:t>
+            </a:r>
+            <a:r>
+              <a:rPr lang="en-US" altLang="zh-CN" dirty="0"/>
+              <a:t>INPOP17a</a:t>
+            </a:r>
+            <a:r>
+              <a:rPr lang="zh-CN" altLang="en-US" dirty="0"/>
+              <a:t>、</a:t>
+            </a:r>
+            <a:r>
+              <a:rPr lang="en-US" altLang="zh-CN" dirty="0"/>
+              <a:t>EPM2017</a:t>
+            </a:r>
+            <a:r>
+              <a:rPr lang="zh-CN" altLang="en-US" dirty="0"/>
+              <a:t>三个历表的精度都很高，给出</a:t>
+            </a:r>
+            <a:r>
+              <a:rPr lang="en-US" altLang="zh-CN" dirty="0"/>
+              <a:t>INPOP17a</a:t>
+            </a:r>
+            <a:r>
+              <a:rPr lang="zh-CN" altLang="en-US" dirty="0"/>
+              <a:t>和</a:t>
+            </a:r>
+            <a:r>
+              <a:rPr lang="en-US" altLang="zh-CN" dirty="0"/>
+              <a:t>EPM2017</a:t>
+            </a:r>
+            <a:r>
+              <a:rPr lang="zh-CN" altLang="en-US" dirty="0"/>
+              <a:t>与</a:t>
+            </a:r>
+            <a:r>
+              <a:rPr lang="en-US" altLang="zh-CN" dirty="0"/>
+              <a:t>DE436</a:t>
+            </a:r>
+            <a:r>
+              <a:rPr lang="zh-CN" altLang="en-US" dirty="0"/>
+              <a:t>的差距：</a:t>
+            </a:r>
+            <a:endParaRPr lang="en-US" altLang="zh-CN" dirty="0"/>
+          </a:p>
+          <a:p>
+            <a:pPr lvl="1"/>
+            <a:r>
+              <a:rPr lang="zh-CN" altLang="en-US" dirty="0"/>
+              <a:t>计算</a:t>
+            </a:r>
+            <a:r>
+              <a:rPr lang="en-US" altLang="zh-CN" dirty="0"/>
+              <a:t>2007.1.1-2027.12.31</a:t>
+            </a:r>
+            <a:r>
+              <a:rPr lang="zh-CN" altLang="en-US" dirty="0"/>
+              <a:t>期间的太阳</a:t>
+            </a:r>
+            <a:r>
+              <a:rPr lang="en-US" altLang="zh-CN" dirty="0"/>
+              <a:t>-</a:t>
+            </a:r>
+            <a:r>
+              <a:rPr lang="zh-CN" altLang="en-US" dirty="0"/>
+              <a:t>地球的相对位置和速度</a:t>
+            </a:r>
+            <a:endParaRPr lang="en-US" altLang="zh-CN" dirty="0"/>
+          </a:p>
+          <a:p>
+            <a:endParaRPr lang="zh-CN" altLang="en-US" dirty="0"/>
+          </a:p>
+        </p:txBody>
+      </p:sp>
+      <p:graphicFrame>
+        <p:nvGraphicFramePr>
+          <p:cNvPr id="5" name="表格 4">
+            <a:extLst>
+              <a:ext uri="{FF2B5EF4-FFF2-40B4-BE49-F238E27FC236}">
+                <a16:creationId xmlns:a16="http://schemas.microsoft.com/office/drawing/2014/main" id="{6ED20F2F-330C-45C2-8B61-46E3AFC1DBAA}"/>
+              </a:ext>
+            </a:extLst>
+          </p:cNvPr>
+          <p:cNvGraphicFramePr>
+            <a:graphicFrameLocks noGrp="1"/>
+          </p:cNvGraphicFramePr>
+          <p:nvPr>
+            <p:extLst>
+              <p:ext uri="{D42A27DB-BD31-4B8C-83A1-F6EECF244321}">
+                <p14:modId xmlns:p14="http://schemas.microsoft.com/office/powerpoint/2010/main" val="188235929"/>
+              </p:ext>
+            </p:extLst>
+          </p:nvPr>
+        </p:nvGraphicFramePr>
+        <p:xfrm>
+          <a:off x="1618717" y="4005455"/>
+          <a:ext cx="8747880" cy="1651510"/>
+        </p:xfrm>
+        <a:graphic>
+          <a:graphicData uri="http://schemas.openxmlformats.org/drawingml/2006/table">
+            <a:tbl>
+              <a:tblPr firstRow="1" firstCol="1" bandRow="1">
+                <a:tableStyleId>{5C22544A-7EE6-4342-B048-85BDC9FD1C3A}</a:tableStyleId>
+              </a:tblPr>
+              <a:tblGrid>
+                <a:gridCol w="2186970">
+                  <a:extLst>
+                    <a:ext uri="{9D8B030D-6E8A-4147-A177-3AD203B41FA5}">
+                      <a16:colId xmlns:a16="http://schemas.microsoft.com/office/drawing/2014/main" val="979412526"/>
+                    </a:ext>
+                  </a:extLst>
+                </a:gridCol>
+                <a:gridCol w="2186970">
+                  <a:extLst>
+                    <a:ext uri="{9D8B030D-6E8A-4147-A177-3AD203B41FA5}">
+                      <a16:colId xmlns:a16="http://schemas.microsoft.com/office/drawing/2014/main" val="266482439"/>
+                    </a:ext>
+                  </a:extLst>
+                </a:gridCol>
+                <a:gridCol w="2186970">
+                  <a:extLst>
+                    <a:ext uri="{9D8B030D-6E8A-4147-A177-3AD203B41FA5}">
+                      <a16:colId xmlns:a16="http://schemas.microsoft.com/office/drawing/2014/main" val="3510242969"/>
+                    </a:ext>
+                  </a:extLst>
+                </a:gridCol>
+                <a:gridCol w="2186970">
+                  <a:extLst>
+                    <a:ext uri="{9D8B030D-6E8A-4147-A177-3AD203B41FA5}">
+                      <a16:colId xmlns:a16="http://schemas.microsoft.com/office/drawing/2014/main" val="3021320391"/>
+                    </a:ext>
+                  </a:extLst>
+                </a:gridCol>
+              </a:tblGrid>
+              <a:tr h="410084">
+                <a:tc>
+                  <a:txBody>
+                    <a:bodyPr/>
+                    <a:lstStyle/>
+                    <a:p>
+                      <a:pPr algn="l">
+                        <a:lnSpc>
+                          <a:spcPct val="150000"/>
+                        </a:lnSpc>
+                        <a:spcAft>
+                          <a:spcPts val="0"/>
+                        </a:spcAft>
+                      </a:pPr>
+                      <a:r>
+                        <a:rPr lang="en-US" sz="2000" kern="100">
+                          <a:effectLst/>
+                        </a:rPr>
+                        <a:t> </a:t>
+                      </a:r>
+                      <a:endParaRPr lang="zh-CN" sz="1700" kern="100">
+                        <a:effectLst/>
+                        <a:latin typeface="Times New Roman" panose="02020603050405020304" pitchFamily="18" charset="0"/>
+                        <a:ea typeface="宋体" panose="02010600030101010101" pitchFamily="2" charset="-122"/>
+                      </a:endParaRPr>
+                    </a:p>
+                  </a:txBody>
+                  <a:tcPr marL="113883" marR="113883" marT="0" marB="0"/>
+                </a:tc>
+                <a:tc>
+                  <a:txBody>
+                    <a:bodyPr/>
+                    <a:lstStyle/>
+                    <a:p>
+                      <a:pPr algn="l">
+                        <a:lnSpc>
+                          <a:spcPct val="150000"/>
+                        </a:lnSpc>
+                        <a:spcAft>
+                          <a:spcPts val="0"/>
+                        </a:spcAft>
+                      </a:pPr>
+                      <a:r>
+                        <a:rPr lang="en-US" sz="2000" kern="100" dirty="0">
+                          <a:effectLst/>
+                        </a:rPr>
+                        <a:t>DE436</a:t>
+                      </a:r>
+                      <a:endParaRPr lang="zh-CN" sz="1700" kern="100" dirty="0">
+                        <a:effectLst/>
+                        <a:latin typeface="Times New Roman" panose="02020603050405020304" pitchFamily="18" charset="0"/>
+                        <a:ea typeface="宋体" panose="02010600030101010101" pitchFamily="2" charset="-122"/>
+                      </a:endParaRPr>
+                    </a:p>
+                  </a:txBody>
+                  <a:tcPr marL="113883" marR="113883" marT="0" marB="0"/>
+                </a:tc>
+                <a:tc>
+                  <a:txBody>
+                    <a:bodyPr/>
+                    <a:lstStyle/>
+                    <a:p>
+                      <a:pPr algn="l">
+                        <a:lnSpc>
+                          <a:spcPct val="150000"/>
+                        </a:lnSpc>
+                        <a:spcAft>
+                          <a:spcPts val="0"/>
+                        </a:spcAft>
+                      </a:pPr>
+                      <a:r>
+                        <a:rPr lang="en-US" sz="2000" kern="100" dirty="0">
+                          <a:effectLst/>
+                        </a:rPr>
+                        <a:t>INPOP17a</a:t>
+                      </a:r>
+                      <a:endParaRPr lang="zh-CN" sz="1700" kern="100" dirty="0">
+                        <a:effectLst/>
+                        <a:latin typeface="Times New Roman" panose="02020603050405020304" pitchFamily="18" charset="0"/>
+                        <a:ea typeface="宋体" panose="02010600030101010101" pitchFamily="2" charset="-122"/>
+                      </a:endParaRPr>
+                    </a:p>
+                  </a:txBody>
+                  <a:tcPr marL="113883" marR="113883" marT="0" marB="0"/>
+                </a:tc>
+                <a:tc>
+                  <a:txBody>
+                    <a:bodyPr/>
+                    <a:lstStyle/>
+                    <a:p>
+                      <a:pPr algn="l">
+                        <a:lnSpc>
+                          <a:spcPct val="150000"/>
+                        </a:lnSpc>
+                        <a:spcAft>
+                          <a:spcPts val="0"/>
+                        </a:spcAft>
+                      </a:pPr>
+                      <a:r>
+                        <a:rPr lang="en-US" sz="2000" kern="100" dirty="0">
+                          <a:effectLst/>
+                        </a:rPr>
+                        <a:t>EPM2017</a:t>
+                      </a:r>
+                      <a:endParaRPr lang="zh-CN" sz="1700" kern="100" dirty="0">
+                        <a:effectLst/>
+                        <a:latin typeface="Times New Roman" panose="02020603050405020304" pitchFamily="18" charset="0"/>
+                        <a:ea typeface="宋体" panose="02010600030101010101" pitchFamily="2" charset="-122"/>
+                      </a:endParaRPr>
+                    </a:p>
+                  </a:txBody>
+                  <a:tcPr marL="113883" marR="113883" marT="0" marB="0"/>
+                </a:tc>
+                <a:extLst>
+                  <a:ext uri="{0D108BD9-81ED-4DB2-BD59-A6C34878D82A}">
+                    <a16:rowId xmlns:a16="http://schemas.microsoft.com/office/drawing/2014/main" val="2777996045"/>
+                  </a:ext>
+                </a:extLst>
+              </a:tr>
+              <a:tr h="410084">
+                <a:tc>
+                  <a:txBody>
+                    <a:bodyPr/>
+                    <a:lstStyle/>
+                    <a:p>
+                      <a:pPr algn="l">
+                        <a:lnSpc>
+                          <a:spcPct val="150000"/>
+                        </a:lnSpc>
+                        <a:spcAft>
+                          <a:spcPts val="0"/>
+                        </a:spcAft>
+                      </a:pPr>
+                      <a:r>
+                        <a:rPr lang="en-US" sz="2000" kern="100">
+                          <a:effectLst/>
+                        </a:rPr>
+                        <a:t>DE436</a:t>
+                      </a:r>
+                      <a:endParaRPr lang="zh-CN" sz="1700" kern="100">
+                        <a:effectLst/>
+                        <a:latin typeface="Times New Roman" panose="02020603050405020304" pitchFamily="18" charset="0"/>
+                        <a:ea typeface="宋体" panose="02010600030101010101" pitchFamily="2" charset="-122"/>
+                      </a:endParaRPr>
+                    </a:p>
+                  </a:txBody>
+                  <a:tcPr marL="113883" marR="113883" marT="0" marB="0"/>
+                </a:tc>
+                <a:tc>
+                  <a:txBody>
+                    <a:bodyPr/>
+                    <a:lstStyle/>
+                    <a:p>
+                      <a:pPr algn="l">
+                        <a:lnSpc>
+                          <a:spcPct val="150000"/>
+                        </a:lnSpc>
+                        <a:spcAft>
+                          <a:spcPts val="0"/>
+                        </a:spcAft>
+                      </a:pPr>
+                      <a:r>
+                        <a:rPr lang="en-US" sz="2000" kern="100">
+                          <a:effectLst/>
+                        </a:rPr>
+                        <a:t>----------</a:t>
+                      </a:r>
+                      <a:endParaRPr lang="zh-CN" sz="1700" kern="100">
+                        <a:effectLst/>
+                        <a:latin typeface="Times New Roman" panose="02020603050405020304" pitchFamily="18" charset="0"/>
+                        <a:ea typeface="宋体" panose="02010600030101010101" pitchFamily="2" charset="-122"/>
+                      </a:endParaRPr>
+                    </a:p>
+                  </a:txBody>
+                  <a:tcPr marL="113883" marR="113883" marT="0" marB="0"/>
+                </a:tc>
+                <a:tc>
+                  <a:txBody>
+                    <a:bodyPr/>
+                    <a:lstStyle/>
+                    <a:p>
+                      <a:pPr algn="l">
+                        <a:lnSpc>
+                          <a:spcPct val="150000"/>
+                        </a:lnSpc>
+                        <a:spcAft>
+                          <a:spcPts val="0"/>
+                        </a:spcAft>
+                      </a:pPr>
+                      <a:r>
+                        <a:rPr lang="en-US" sz="2000" kern="100" dirty="0">
+                          <a:effectLst/>
+                        </a:rPr>
+                        <a:t>199.633964 m</a:t>
+                      </a:r>
+                      <a:endParaRPr lang="zh-CN" sz="1700" kern="100" dirty="0">
+                        <a:effectLst/>
+                        <a:latin typeface="Times New Roman" panose="02020603050405020304" pitchFamily="18" charset="0"/>
+                        <a:ea typeface="宋体" panose="02010600030101010101" pitchFamily="2" charset="-122"/>
+                      </a:endParaRPr>
+                    </a:p>
+                  </a:txBody>
+                  <a:tcPr marL="113883" marR="113883" marT="0" marB="0"/>
+                </a:tc>
+                <a:tc>
+                  <a:txBody>
+                    <a:bodyPr/>
+                    <a:lstStyle/>
+                    <a:p>
+                      <a:pPr algn="l">
+                        <a:lnSpc>
+                          <a:spcPct val="150000"/>
+                        </a:lnSpc>
+                        <a:spcAft>
+                          <a:spcPts val="0"/>
+                        </a:spcAft>
+                      </a:pPr>
+                      <a:r>
+                        <a:rPr lang="en-US" sz="2000" kern="100" dirty="0">
+                          <a:effectLst/>
+                        </a:rPr>
+                        <a:t>303.605381 m</a:t>
+                      </a:r>
+                      <a:endParaRPr lang="zh-CN" sz="1700" kern="100" dirty="0">
+                        <a:effectLst/>
+                        <a:latin typeface="Times New Roman" panose="02020603050405020304" pitchFamily="18" charset="0"/>
+                        <a:ea typeface="宋体" panose="02010600030101010101" pitchFamily="2" charset="-122"/>
+                      </a:endParaRPr>
+                    </a:p>
+                  </a:txBody>
+                  <a:tcPr marL="113883" marR="113883" marT="0" marB="0"/>
+                </a:tc>
+                <a:extLst>
+                  <a:ext uri="{0D108BD9-81ED-4DB2-BD59-A6C34878D82A}">
+                    <a16:rowId xmlns:a16="http://schemas.microsoft.com/office/drawing/2014/main" val="4168467665"/>
+                  </a:ext>
+                </a:extLst>
+              </a:tr>
+              <a:tr h="410084">
+                <a:tc>
+                  <a:txBody>
+                    <a:bodyPr/>
+                    <a:lstStyle/>
+                    <a:p>
+                      <a:pPr algn="l">
+                        <a:lnSpc>
+                          <a:spcPct val="150000"/>
+                        </a:lnSpc>
+                        <a:spcAft>
+                          <a:spcPts val="0"/>
+                        </a:spcAft>
+                      </a:pPr>
+                      <a:r>
+                        <a:rPr lang="en-US" sz="2000" kern="100">
+                          <a:effectLst/>
+                        </a:rPr>
+                        <a:t>INPOP17a</a:t>
+                      </a:r>
+                      <a:endParaRPr lang="zh-CN" sz="1700" kern="100">
+                        <a:effectLst/>
+                        <a:latin typeface="Times New Roman" panose="02020603050405020304" pitchFamily="18" charset="0"/>
+                        <a:ea typeface="宋体" panose="02010600030101010101" pitchFamily="2" charset="-122"/>
+                      </a:endParaRPr>
+                    </a:p>
+                  </a:txBody>
+                  <a:tcPr marL="113883" marR="113883" marT="0" marB="0"/>
+                </a:tc>
+                <a:tc>
+                  <a:txBody>
+                    <a:bodyPr/>
+                    <a:lstStyle/>
+                    <a:p>
+                      <a:pPr algn="l">
+                        <a:lnSpc>
+                          <a:spcPct val="150000"/>
+                        </a:lnSpc>
+                        <a:spcAft>
+                          <a:spcPts val="0"/>
+                        </a:spcAft>
+                      </a:pPr>
+                      <a:r>
+                        <a:rPr lang="en-US" sz="2000" kern="100" dirty="0">
+                          <a:effectLst/>
+                        </a:rPr>
+                        <a:t>4.01256*10</a:t>
+                      </a:r>
+                      <a:r>
+                        <a:rPr lang="en-US" sz="2000" kern="100" baseline="30000" dirty="0">
+                          <a:effectLst/>
+                        </a:rPr>
+                        <a:t>-5</a:t>
+                      </a:r>
+                      <a:r>
+                        <a:rPr lang="en-US" altLang="zh-CN" sz="1800" kern="100" baseline="30000" dirty="0">
+                          <a:effectLst/>
+                        </a:rPr>
+                        <a:t> </a:t>
+                      </a:r>
+                      <a:r>
+                        <a:rPr lang="en-US" altLang="zh-CN" sz="1800" kern="100" dirty="0">
+                          <a:effectLst/>
+                        </a:rPr>
+                        <a:t>km</a:t>
+                      </a:r>
+                      <a:endParaRPr lang="zh-CN" sz="1700" kern="100" dirty="0">
+                        <a:effectLst/>
+                        <a:latin typeface="Times New Roman" panose="02020603050405020304" pitchFamily="18" charset="0"/>
+                        <a:ea typeface="宋体" panose="02010600030101010101" pitchFamily="2" charset="-122"/>
+                      </a:endParaRPr>
+                    </a:p>
+                  </a:txBody>
+                  <a:tcPr marL="113883" marR="113883" marT="0" marB="0"/>
+                </a:tc>
+                <a:tc>
+                  <a:txBody>
+                    <a:bodyPr/>
+                    <a:lstStyle/>
+                    <a:p>
+                      <a:pPr algn="l">
+                        <a:lnSpc>
+                          <a:spcPct val="150000"/>
+                        </a:lnSpc>
+                        <a:spcAft>
+                          <a:spcPts val="0"/>
+                        </a:spcAft>
+                      </a:pPr>
+                      <a:r>
+                        <a:rPr lang="en-US" sz="2000" kern="100" dirty="0">
+                          <a:effectLst/>
+                        </a:rPr>
+                        <a:t>----------</a:t>
+                      </a:r>
+                      <a:endParaRPr lang="zh-CN" sz="1700" kern="100" dirty="0">
+                        <a:effectLst/>
+                        <a:latin typeface="Times New Roman" panose="02020603050405020304" pitchFamily="18" charset="0"/>
+                        <a:ea typeface="宋体" panose="02010600030101010101" pitchFamily="2" charset="-122"/>
+                      </a:endParaRPr>
+                    </a:p>
+                  </a:txBody>
+                  <a:tcPr marL="113883" marR="113883" marT="0" marB="0"/>
+                </a:tc>
+                <a:tc>
+                  <a:txBody>
+                    <a:bodyPr/>
+                    <a:lstStyle/>
+                    <a:p>
+                      <a:pPr algn="l">
+                        <a:lnSpc>
+                          <a:spcPct val="150000"/>
+                        </a:lnSpc>
+                        <a:spcAft>
+                          <a:spcPts val="0"/>
+                        </a:spcAft>
+                      </a:pPr>
+                      <a:r>
+                        <a:rPr lang="en-US" sz="2000" kern="100" dirty="0">
+                          <a:effectLst/>
+                        </a:rPr>
+                        <a:t>326.160743 m</a:t>
+                      </a:r>
+                      <a:endParaRPr lang="zh-CN" sz="1700" kern="100" dirty="0">
+                        <a:effectLst/>
+                        <a:latin typeface="Times New Roman" panose="02020603050405020304" pitchFamily="18" charset="0"/>
+                        <a:ea typeface="宋体" panose="02010600030101010101" pitchFamily="2" charset="-122"/>
+                      </a:endParaRPr>
+                    </a:p>
+                  </a:txBody>
+                  <a:tcPr marL="113883" marR="113883" marT="0" marB="0"/>
+                </a:tc>
+                <a:extLst>
+                  <a:ext uri="{0D108BD9-81ED-4DB2-BD59-A6C34878D82A}">
+                    <a16:rowId xmlns:a16="http://schemas.microsoft.com/office/drawing/2014/main" val="2230293179"/>
+                  </a:ext>
+                </a:extLst>
+              </a:tr>
+              <a:tr h="410084">
+                <a:tc>
+                  <a:txBody>
+                    <a:bodyPr/>
+                    <a:lstStyle/>
+                    <a:p>
+                      <a:pPr algn="l">
+                        <a:lnSpc>
+                          <a:spcPct val="150000"/>
+                        </a:lnSpc>
+                        <a:spcAft>
+                          <a:spcPts val="0"/>
+                        </a:spcAft>
+                      </a:pPr>
+                      <a:r>
+                        <a:rPr lang="en-US" sz="2000" kern="100">
+                          <a:effectLst/>
+                        </a:rPr>
+                        <a:t>EPM2017</a:t>
+                      </a:r>
+                      <a:endParaRPr lang="zh-CN" sz="1700" kern="100">
+                        <a:effectLst/>
+                        <a:latin typeface="Times New Roman" panose="02020603050405020304" pitchFamily="18" charset="0"/>
+                        <a:ea typeface="宋体" panose="02010600030101010101" pitchFamily="2" charset="-122"/>
+                      </a:endParaRPr>
+                    </a:p>
+                  </a:txBody>
+                  <a:tcPr marL="113883" marR="113883" marT="0" marB="0"/>
+                </a:tc>
+                <a:tc>
+                  <a:txBody>
+                    <a:bodyPr/>
+                    <a:lstStyle/>
+                    <a:p>
+                      <a:pPr algn="l">
+                        <a:lnSpc>
+                          <a:spcPct val="150000"/>
+                        </a:lnSpc>
+                        <a:spcAft>
+                          <a:spcPts val="0"/>
+                        </a:spcAft>
+                      </a:pPr>
+                      <a:r>
+                        <a:rPr lang="en-US" sz="2000" kern="100" dirty="0">
+                          <a:effectLst/>
+                        </a:rPr>
+                        <a:t>6.06862*10</a:t>
+                      </a:r>
+                      <a:r>
+                        <a:rPr lang="en-US" sz="2000" kern="100" baseline="30000" dirty="0">
+                          <a:effectLst/>
+                        </a:rPr>
+                        <a:t>-5</a:t>
+                      </a:r>
+                      <a:r>
+                        <a:rPr lang="en-US" altLang="zh-CN" sz="1800" kern="100" baseline="30000" dirty="0">
+                          <a:effectLst/>
+                        </a:rPr>
+                        <a:t> </a:t>
+                      </a:r>
+                      <a:r>
+                        <a:rPr lang="en-US" altLang="zh-CN" sz="1800" kern="100" dirty="0">
+                          <a:effectLst/>
+                        </a:rPr>
+                        <a:t>km</a:t>
+                      </a:r>
+                      <a:endParaRPr lang="zh-CN" sz="1700" kern="100" dirty="0">
+                        <a:effectLst/>
+                        <a:latin typeface="Times New Roman" panose="02020603050405020304" pitchFamily="18" charset="0"/>
+                        <a:ea typeface="宋体" panose="02010600030101010101" pitchFamily="2" charset="-122"/>
+                      </a:endParaRPr>
+                    </a:p>
+                  </a:txBody>
+                  <a:tcPr marL="113883" marR="113883" marT="0" marB="0"/>
+                </a:tc>
+                <a:tc>
+                  <a:txBody>
+                    <a:bodyPr/>
+                    <a:lstStyle/>
+                    <a:p>
+                      <a:pPr algn="l">
+                        <a:lnSpc>
+                          <a:spcPct val="150000"/>
+                        </a:lnSpc>
+                        <a:spcAft>
+                          <a:spcPts val="0"/>
+                        </a:spcAft>
+                      </a:pPr>
+                      <a:r>
+                        <a:rPr lang="en-US" sz="2000" kern="100" dirty="0">
+                          <a:effectLst/>
+                        </a:rPr>
+                        <a:t>6.58242*10</a:t>
+                      </a:r>
+                      <a:r>
+                        <a:rPr lang="en-US" altLang="zh-CN" sz="2000" kern="100" baseline="30000" dirty="0">
+                          <a:effectLst/>
+                        </a:rPr>
+                        <a:t>-5 </a:t>
+                      </a:r>
+                      <a:r>
+                        <a:rPr lang="en-US" sz="2000" kern="100" dirty="0">
+                          <a:effectLst/>
+                        </a:rPr>
+                        <a:t>km</a:t>
+                      </a:r>
+                      <a:endParaRPr lang="zh-CN" sz="1700" kern="100" dirty="0">
+                        <a:effectLst/>
+                        <a:latin typeface="Times New Roman" panose="02020603050405020304" pitchFamily="18" charset="0"/>
+                        <a:ea typeface="宋体" panose="02010600030101010101" pitchFamily="2" charset="-122"/>
+                      </a:endParaRPr>
+                    </a:p>
+                  </a:txBody>
+                  <a:tcPr marL="113883" marR="113883" marT="0" marB="0"/>
+                </a:tc>
+                <a:tc>
+                  <a:txBody>
+                    <a:bodyPr/>
+                    <a:lstStyle/>
+                    <a:p>
+                      <a:pPr algn="l">
+                        <a:lnSpc>
+                          <a:spcPct val="150000"/>
+                        </a:lnSpc>
+                        <a:spcAft>
+                          <a:spcPts val="0"/>
+                        </a:spcAft>
+                      </a:pPr>
+                      <a:r>
+                        <a:rPr lang="en-US" sz="2000" kern="100" dirty="0">
+                          <a:effectLst/>
+                        </a:rPr>
+                        <a:t>----------</a:t>
+                      </a:r>
+                      <a:endParaRPr lang="zh-CN" sz="1700" kern="100" dirty="0">
+                        <a:effectLst/>
+                        <a:latin typeface="Times New Roman" panose="02020603050405020304" pitchFamily="18" charset="0"/>
+                        <a:ea typeface="宋体" panose="02010600030101010101" pitchFamily="2" charset="-122"/>
+                      </a:endParaRPr>
+                    </a:p>
+                  </a:txBody>
+                  <a:tcPr marL="113883" marR="113883" marT="0" marB="0"/>
+                </a:tc>
+                <a:extLst>
+                  <a:ext uri="{0D108BD9-81ED-4DB2-BD59-A6C34878D82A}">
+                    <a16:rowId xmlns:a16="http://schemas.microsoft.com/office/drawing/2014/main" val="2764310743"/>
+                  </a:ext>
+                </a:extLst>
+              </a:tr>
+            </a:tbl>
+          </a:graphicData>
+        </a:graphic>
+      </p:graphicFrame>
+    </p:spTree>
+    <p:extLst>
+      <p:ext uri="{BB962C8B-B14F-4D97-AF65-F5344CB8AC3E}">
+        <p14:creationId xmlns:p14="http://schemas.microsoft.com/office/powerpoint/2010/main" val="3500190462"/>
+      </p:ext>
+    </p:extLst>
+  </p:cSld>
+  <p:clrMapOvr>
+    <a:masterClrMapping/>
+  </p:clrMapOvr>
+</p:sld>
+</file>
+
+<file path=ppt/slides/slide21.xml><?xml version="1.0" encoding="utf-8"?>
+<p:sld xmlns:a="http://schemas.openxmlformats.org/drawingml/2006/main" xmlns:r="http://schemas.openxmlformats.org/officeDocument/2006/relationships" xmlns:p="http://schemas.openxmlformats.org/presentationml/2006/main">
+  <p:cSld>
+    <p:spTree>
+      <p:nvGrpSpPr>
+        <p:cNvPr id="1" name=""/>
+        <p:cNvGrpSpPr/>
+        <p:nvPr/>
+      </p:nvGrpSpPr>
+      <p:grpSpPr>
+        <a:xfrm>
+          <a:off x="0" y="0"/>
+          <a:ext cx="0" cy="0"/>
+          <a:chOff x="0" y="0"/>
+          <a:chExt cx="0" cy="0"/>
+        </a:xfrm>
+      </p:grpSpPr>
+      <p:sp>
+        <p:nvSpPr>
+          <p:cNvPr id="2" name="标题 1">
+            <a:extLst>
+              <a:ext uri="{FF2B5EF4-FFF2-40B4-BE49-F238E27FC236}">
+                <a16:creationId xmlns:a16="http://schemas.microsoft.com/office/drawing/2014/main" id="{E96A75B4-B576-4460-AA29-850451CCFA66}"/>
+              </a:ext>
+            </a:extLst>
+          </p:cNvPr>
+          <p:cNvSpPr>
+            <a:spLocks noGrp="1"/>
+          </p:cNvSpPr>
+          <p:nvPr>
+            <p:ph type="title"/>
+          </p:nvPr>
+        </p:nvSpPr>
+        <p:spPr/>
+        <p:txBody>
+          <a:bodyPr/>
+          <a:lstStyle/>
+          <a:p>
+            <a:endParaRPr lang="zh-CN" altLang="en-US"/>
+          </a:p>
+        </p:txBody>
+      </p:sp>
+      <p:sp>
+        <p:nvSpPr>
+          <p:cNvPr id="3" name="内容占位符 2">
+            <a:extLst>
+              <a:ext uri="{FF2B5EF4-FFF2-40B4-BE49-F238E27FC236}">
+                <a16:creationId xmlns:a16="http://schemas.microsoft.com/office/drawing/2014/main" id="{588BE583-69E3-4B5C-81D5-E860A1568DAD}"/>
+              </a:ext>
+            </a:extLst>
+          </p:cNvPr>
+          <p:cNvSpPr>
+            <a:spLocks noGrp="1"/>
+          </p:cNvSpPr>
+          <p:nvPr>
+            <p:ph idx="1"/>
+          </p:nvPr>
+        </p:nvSpPr>
+        <p:spPr/>
+        <p:txBody>
+          <a:bodyPr/>
+          <a:lstStyle/>
+          <a:p>
+            <a:endParaRPr lang="zh-CN" altLang="en-US"/>
+          </a:p>
+        </p:txBody>
+      </p:sp>
+      <p:pic>
+        <p:nvPicPr>
+          <p:cNvPr id="4" name="图片 3">
+            <a:extLst>
+              <a:ext uri="{FF2B5EF4-FFF2-40B4-BE49-F238E27FC236}">
+                <a16:creationId xmlns:a16="http://schemas.microsoft.com/office/drawing/2014/main" id="{9CAC0E9C-4429-46A5-9BA5-698433988C79}"/>
+              </a:ext>
+            </a:extLst>
+          </p:cNvPr>
+          <p:cNvPicPr/>
+          <p:nvPr/>
+        </p:nvPicPr>
+        <p:blipFill>
+          <a:blip r:embed="rId2">
+            <a:extLst>
+              <a:ext uri="{28A0092B-C50C-407E-A947-70E740481C1C}">
+                <a14:useLocalDpi xmlns:a14="http://schemas.microsoft.com/office/drawing/2010/main" val="0"/>
+              </a:ext>
+            </a:extLst>
+          </a:blip>
+          <a:stretch>
+            <a:fillRect/>
+          </a:stretch>
+        </p:blipFill>
+        <p:spPr>
+          <a:xfrm>
+            <a:off x="3224869" y="1137941"/>
+            <a:ext cx="6464416" cy="4617440"/>
+          </a:xfrm>
+          <a:prstGeom prst="rect">
+            <a:avLst/>
+          </a:prstGeom>
+        </p:spPr>
+      </p:pic>
+    </p:spTree>
+    <p:extLst>
+      <p:ext uri="{BB962C8B-B14F-4D97-AF65-F5344CB8AC3E}">
+        <p14:creationId xmlns:p14="http://schemas.microsoft.com/office/powerpoint/2010/main" val="4229652046"/>
+      </p:ext>
+    </p:extLst>
+  </p:cSld>
+  <p:clrMapOvr>
+    <a:masterClrMapping/>
+  </p:clrMapOvr>
+</p:sld>
+</file>
+
+<file path=ppt/slides/slide22.xml><?xml version="1.0" encoding="utf-8"?>
+<p:sld xmlns:a="http://schemas.openxmlformats.org/drawingml/2006/main" xmlns:r="http://schemas.openxmlformats.org/officeDocument/2006/relationships" xmlns:p="http://schemas.openxmlformats.org/presentationml/2006/main">
+  <p:cSld>
+    <p:spTree>
+      <p:nvGrpSpPr>
+        <p:cNvPr id="1" name=""/>
+        <p:cNvGrpSpPr/>
+        <p:nvPr/>
+      </p:nvGrpSpPr>
+      <p:grpSpPr>
+        <a:xfrm>
+          <a:off x="0" y="0"/>
+          <a:ext cx="0" cy="0"/>
+          <a:chOff x="0" y="0"/>
+          <a:chExt cx="0" cy="0"/>
+        </a:xfrm>
+      </p:grpSpPr>
+      <p:sp>
+        <p:nvSpPr>
+          <p:cNvPr id="2" name="标题 1">
+            <a:extLst>
+              <a:ext uri="{FF2B5EF4-FFF2-40B4-BE49-F238E27FC236}">
+                <a16:creationId xmlns:a16="http://schemas.microsoft.com/office/drawing/2014/main" id="{BCC6875C-6B5B-476B-80C8-B8A1267A23B2}"/>
+              </a:ext>
+            </a:extLst>
+          </p:cNvPr>
+          <p:cNvSpPr>
+            <a:spLocks noGrp="1"/>
+          </p:cNvSpPr>
+          <p:nvPr>
+            <p:ph type="title"/>
+          </p:nvPr>
+        </p:nvSpPr>
+        <p:spPr>
+          <a:xfrm>
+            <a:off x="1295402" y="982133"/>
+            <a:ext cx="9601196" cy="3438948"/>
+          </a:xfrm>
+        </p:spPr>
+        <p:txBody>
+          <a:bodyPr>
+            <a:normAutofit/>
+          </a:bodyPr>
+          <a:lstStyle/>
+          <a:p>
+            <a:r>
+              <a:rPr lang="en-US" altLang="zh-CN" dirty="0"/>
+              <a:t>Part 5</a:t>
+            </a:r>
+            <a:br>
+              <a:rPr lang="en-US" altLang="zh-CN" dirty="0"/>
+            </a:br>
+            <a:br>
+              <a:rPr lang="en-US" altLang="zh-CN" dirty="0"/>
+            </a:br>
+            <a:br>
+              <a:rPr lang="en-US" altLang="zh-CN" dirty="0"/>
+            </a:br>
+            <a:r>
+              <a:rPr lang="zh-CN" altLang="en-US" dirty="0"/>
+              <a:t>程序演示（时间不足则跳过）</a:t>
+            </a:r>
+          </a:p>
+        </p:txBody>
+      </p:sp>
+    </p:spTree>
+    <p:extLst>
+      <p:ext uri="{BB962C8B-B14F-4D97-AF65-F5344CB8AC3E}">
+        <p14:creationId xmlns:p14="http://schemas.microsoft.com/office/powerpoint/2010/main" val="3144456708"/>
+      </p:ext>
+    </p:extLst>
+  </p:cSld>
+  <p:clrMapOvr>
+    <a:masterClrMapping/>
+  </p:clrMapOvr>
+</p:sld>
+</file>
+
+<file path=ppt/slides/slide23.xml><?xml version="1.0" encoding="utf-8"?>
+<p:sld xmlns:a="http://schemas.openxmlformats.org/drawingml/2006/main" xmlns:r="http://schemas.openxmlformats.org/officeDocument/2006/relationships" xmlns:p="http://schemas.openxmlformats.org/presentationml/2006/main">
+  <p:cSld>
+    <p:spTree>
+      <p:nvGrpSpPr>
+        <p:cNvPr id="1" name=""/>
+        <p:cNvGrpSpPr/>
+        <p:nvPr/>
+      </p:nvGrpSpPr>
+      <p:grpSpPr>
+        <a:xfrm>
+          <a:off x="0" y="0"/>
+          <a:ext cx="0" cy="0"/>
+          <a:chOff x="0" y="0"/>
+          <a:chExt cx="0" cy="0"/>
+        </a:xfrm>
+      </p:grpSpPr>
+      <p:sp>
+        <p:nvSpPr>
+          <p:cNvPr id="2" name="标题 1">
+            <a:extLst>
+              <a:ext uri="{FF2B5EF4-FFF2-40B4-BE49-F238E27FC236}">
                 <a16:creationId xmlns:a16="http://schemas.microsoft.com/office/drawing/2014/main" id="{D840EDF3-0E51-484C-8D3A-2683A19F047B}"/>
               </a:ext>
             </a:extLst>
@@ -8157,7 +8595,7 @@
             </a:r>
             <a:r>
               <a:rPr lang="zh-CN" altLang="en-US" dirty="0"/>
-              <a:t>，太阳、月亮和行星的相对空间位置和速度。</a:t>
+              <a:t>，太阳、月亮、行星和其他天体的相对空间位置和速度。也给出月球天平动等数据。</a:t>
             </a:r>
             <a:endParaRPr lang="en-US" altLang="zh-CN" dirty="0"/>
           </a:p>
@@ -8199,10 +8637,16 @@
               <a:t>EPM</a:t>
             </a:r>
             <a:r>
-              <a:rPr lang="zh-CN" altLang="en-US"/>
+              <a:rPr lang="zh-CN" altLang="en-US" dirty="0"/>
               <a:t>历表（俄罗斯科学院应用天文研究所）</a:t>
             </a:r>
-            <a:endParaRPr lang="zh-CN" altLang="en-US" dirty="0"/>
+            <a:endParaRPr lang="en-US" altLang="zh-CN" dirty="0"/>
+          </a:p>
+          <a:p>
+            <a:r>
+              <a:rPr lang="zh-CN" altLang="en-US" dirty="0"/>
+              <a:t>三个历表不存在精度上的差别。</a:t>
+            </a:r>
           </a:p>
         </p:txBody>
       </p:sp>
@@ -8241,7 +8685,7 @@
           <p:cNvPr id="2" name="标题 1">
             <a:extLst>
               <a:ext uri="{FF2B5EF4-FFF2-40B4-BE49-F238E27FC236}">
-                <a16:creationId xmlns:a16="http://schemas.microsoft.com/office/drawing/2014/main" id="{F909A0DA-6859-4271-B388-7C36200DED1E}"/>
+                <a16:creationId xmlns:a16="http://schemas.microsoft.com/office/drawing/2014/main" id="{F58A06A5-8F34-4D00-9DF1-58A69E258399}"/>
               </a:ext>
             </a:extLst>
           </p:cNvPr>
@@ -8259,7 +8703,7 @@
           <a:p>
             <a:r>
               <a:rPr lang="zh-CN" altLang="en-US" dirty="0"/>
-              <a:t>行星历表的重要性</a:t>
+              <a:t>三个行星历表简介</a:t>
             </a:r>
           </a:p>
         </p:txBody>
@@ -8269,7 +8713,7 @@
           <p:cNvPr id="3" name="内容占位符 2">
             <a:extLst>
               <a:ext uri="{FF2B5EF4-FFF2-40B4-BE49-F238E27FC236}">
-                <a16:creationId xmlns:a16="http://schemas.microsoft.com/office/drawing/2014/main" id="{2F550E42-1CEC-4F9A-8C9C-F902DFAC6DB6}"/>
+                <a16:creationId xmlns:a16="http://schemas.microsoft.com/office/drawing/2014/main" id="{A05363ED-AFD5-4A1A-8BD7-465A64D9F627}"/>
               </a:ext>
             </a:extLst>
           </p:cNvPr>
@@ -8286,29 +8730,185 @@
           <a:lstStyle/>
           <a:p>
             <a:r>
-              <a:rPr lang="zh-CN" altLang="en-US" dirty="0"/>
-              <a:t>观天授时</a:t>
+              <a:rPr lang="en-US" altLang="zh-CN" dirty="0"/>
+              <a:t>DE</a:t>
+            </a:r>
+            <a:r>
+              <a:rPr lang="zh-CN" altLang="en-US" dirty="0"/>
+              <a:t>历表出现的很早：</a:t>
             </a:r>
             <a:endParaRPr lang="en-US" altLang="zh-CN" dirty="0"/>
           </a:p>
           <a:p>
-            <a:r>
-              <a:rPr lang="zh-CN" altLang="en-US" dirty="0"/>
-              <a:t>深空探测</a:t>
+            <a:pPr lvl="1"/>
+            <a:r>
+              <a:rPr lang="en-US" altLang="zh-CN" dirty="0"/>
+              <a:t>19</a:t>
+            </a:r>
+            <a:r>
+              <a:rPr lang="zh-CN" altLang="en-US" dirty="0"/>
+              <a:t>世纪</a:t>
+            </a:r>
+            <a:r>
+              <a:rPr lang="en-US" altLang="zh-CN" dirty="0"/>
+              <a:t>60</a:t>
+            </a:r>
+            <a:r>
+              <a:rPr lang="zh-CN" altLang="en-US" dirty="0"/>
+              <a:t>年代被提出</a:t>
             </a:r>
             <a:endParaRPr lang="en-US" altLang="zh-CN" dirty="0"/>
           </a:p>
           <a:p>
-            <a:r>
-              <a:rPr lang="zh-CN" altLang="en-US" dirty="0"/>
-              <a:t>卫星定轨</a:t>
+            <a:pPr lvl="1"/>
+            <a:r>
+              <a:rPr lang="en-US" altLang="zh-CN" dirty="0"/>
+              <a:t>19</a:t>
+            </a:r>
+            <a:r>
+              <a:rPr lang="zh-CN" altLang="en-US" dirty="0"/>
+              <a:t>世纪</a:t>
+            </a:r>
+            <a:r>
+              <a:rPr lang="en-US" altLang="zh-CN" dirty="0"/>
+              <a:t>80</a:t>
+            </a:r>
+            <a:r>
+              <a:rPr lang="zh-CN" altLang="en-US" dirty="0"/>
+              <a:t>年代第一版</a:t>
+            </a:r>
+            <a:r>
+              <a:rPr lang="en-US" altLang="zh-CN" dirty="0"/>
+              <a:t>DE</a:t>
+            </a:r>
+            <a:r>
+              <a:rPr lang="zh-CN" altLang="en-US" dirty="0"/>
+              <a:t>历表</a:t>
+            </a:r>
+            <a:r>
+              <a:rPr lang="en-US" altLang="zh-CN" dirty="0"/>
+              <a:t>DE200</a:t>
+            </a:r>
+            <a:r>
+              <a:rPr lang="zh-CN" altLang="en-US" dirty="0"/>
+              <a:t>发布，并成为出版历数的基础</a:t>
             </a:r>
             <a:endParaRPr lang="en-US" altLang="zh-CN" dirty="0"/>
           </a:p>
           <a:p>
+            <a:pPr lvl="1"/>
+            <a:r>
+              <a:rPr lang="zh-CN" altLang="en-US" dirty="0"/>
+              <a:t>现在</a:t>
+            </a:r>
             <a:r>
               <a:rPr lang="en-US" altLang="zh-CN" dirty="0"/>
-              <a:t>…</a:t>
+              <a:t>DE</a:t>
+            </a:r>
+            <a:r>
+              <a:rPr lang="zh-CN" altLang="en-US" dirty="0"/>
+              <a:t>历表已经经历了数次更新，最新版本为</a:t>
+            </a:r>
+            <a:r>
+              <a:rPr lang="en-US" altLang="zh-CN" dirty="0"/>
+              <a:t>DE437</a:t>
+            </a:r>
+          </a:p>
+          <a:p>
+            <a:r>
+              <a:rPr lang="en-US" altLang="zh-CN" dirty="0"/>
+              <a:t>INPOP</a:t>
+            </a:r>
+            <a:r>
+              <a:rPr lang="zh-CN" altLang="en-US" dirty="0"/>
+              <a:t>和</a:t>
+            </a:r>
+            <a:r>
+              <a:rPr lang="en-US" altLang="zh-CN" dirty="0"/>
+              <a:t>EPM</a:t>
+            </a:r>
+            <a:r>
+              <a:rPr lang="zh-CN" altLang="en-US" dirty="0"/>
+              <a:t>历表相对起步较晚：</a:t>
+            </a:r>
+            <a:endParaRPr lang="en-US" altLang="zh-CN" dirty="0"/>
+          </a:p>
+          <a:p>
+            <a:pPr lvl="1"/>
+            <a:r>
+              <a:rPr lang="zh-CN" altLang="en-US" dirty="0"/>
+              <a:t>第一版</a:t>
+            </a:r>
+            <a:r>
+              <a:rPr lang="en-US" altLang="zh-CN" dirty="0"/>
+              <a:t>INPOP</a:t>
+            </a:r>
+            <a:r>
+              <a:rPr lang="zh-CN" altLang="en-US" dirty="0"/>
+              <a:t>历表</a:t>
+            </a:r>
+            <a:r>
+              <a:rPr lang="en-US" altLang="zh-CN" dirty="0"/>
+              <a:t>INPOP06b</a:t>
+            </a:r>
+            <a:r>
+              <a:rPr lang="zh-CN" altLang="en-US" dirty="0"/>
+              <a:t>于</a:t>
+            </a:r>
+            <a:r>
+              <a:rPr lang="en-US" altLang="zh-CN" dirty="0"/>
+              <a:t>2006</a:t>
+            </a:r>
+            <a:r>
+              <a:rPr lang="zh-CN" altLang="en-US" dirty="0"/>
+              <a:t>年</a:t>
+            </a:r>
+            <a:r>
+              <a:rPr lang="en-US" altLang="zh-CN" dirty="0"/>
+              <a:t>10</a:t>
+            </a:r>
+            <a:r>
+              <a:rPr lang="zh-CN" altLang="en-US" dirty="0"/>
+              <a:t>月发布，目前最新版本为</a:t>
+            </a:r>
+            <a:r>
+              <a:rPr lang="en-US" altLang="zh-CN" dirty="0"/>
+              <a:t>INPOP17a</a:t>
+            </a:r>
+          </a:p>
+          <a:p>
+            <a:pPr lvl="1"/>
+            <a:r>
+              <a:rPr lang="zh-CN" altLang="en-US" dirty="0"/>
+              <a:t>第一版</a:t>
+            </a:r>
+            <a:r>
+              <a:rPr lang="en-US" altLang="zh-CN" dirty="0"/>
+              <a:t>EPM</a:t>
+            </a:r>
+            <a:r>
+              <a:rPr lang="zh-CN" altLang="en-US" dirty="0"/>
+              <a:t>历表</a:t>
+            </a:r>
+            <a:r>
+              <a:rPr lang="en-US" altLang="zh-CN" dirty="0"/>
+              <a:t>EPM2004</a:t>
+            </a:r>
+            <a:r>
+              <a:rPr lang="zh-CN" altLang="en-US" dirty="0"/>
+              <a:t>于</a:t>
+            </a:r>
+            <a:r>
+              <a:rPr lang="en-US" altLang="zh-CN" dirty="0"/>
+              <a:t>2004</a:t>
+            </a:r>
+            <a:r>
+              <a:rPr lang="zh-CN" altLang="en-US" dirty="0"/>
+              <a:t>年发布，目前最新版本为</a:t>
+            </a:r>
+            <a:r>
+              <a:rPr lang="en-US" altLang="zh-CN" dirty="0"/>
+              <a:t>EPM2017</a:t>
             </a:r>
             <a:endParaRPr lang="zh-CN" altLang="en-US" dirty="0"/>
           </a:p>
@@ -8317,7 +8917,7 @@
     </p:spTree>
     <p:extLst>
       <p:ext uri="{BB962C8B-B14F-4D97-AF65-F5344CB8AC3E}">
-        <p14:creationId xmlns:p14="http://schemas.microsoft.com/office/powerpoint/2010/main" val="1220458830"/>
+        <p14:creationId xmlns:p14="http://schemas.microsoft.com/office/powerpoint/2010/main" val="3281068553"/>
       </p:ext>
     </p:extLst>
   </p:cSld>
@@ -8349,7 +8949,7 @@
           <p:cNvPr id="2" name="标题 1">
             <a:extLst>
               <a:ext uri="{FF2B5EF4-FFF2-40B4-BE49-F238E27FC236}">
-                <a16:creationId xmlns:a16="http://schemas.microsoft.com/office/drawing/2014/main" id="{A063DA11-81C2-4124-9D57-0AF8E9C49126}"/>
+                <a16:creationId xmlns:a16="http://schemas.microsoft.com/office/drawing/2014/main" id="{F909A0DA-6859-4271-B388-7C36200DED1E}"/>
               </a:ext>
             </a:extLst>
           </p:cNvPr>
@@ -8367,7 +8967,7 @@
           <a:p>
             <a:r>
               <a:rPr lang="zh-CN" altLang="en-US" dirty="0"/>
-              <a:t>我国的行星历表</a:t>
+              <a:t>行星历表的重要性</a:t>
             </a:r>
           </a:p>
         </p:txBody>
@@ -8377,7 +8977,7 @@
           <p:cNvPr id="3" name="内容占位符 2">
             <a:extLst>
               <a:ext uri="{FF2B5EF4-FFF2-40B4-BE49-F238E27FC236}">
-                <a16:creationId xmlns:a16="http://schemas.microsoft.com/office/drawing/2014/main" id="{69768C84-4CD0-4330-9B84-F48A9B66D8D0}"/>
+                <a16:creationId xmlns:a16="http://schemas.microsoft.com/office/drawing/2014/main" id="{2F550E42-1CEC-4F9A-8C9C-F902DFAC6DB6}"/>
               </a:ext>
             </a:extLst>
           </p:cNvPr>
@@ -8395,36 +8995,29 @@
           <a:p>
             <a:r>
               <a:rPr lang="zh-CN" altLang="en-US" dirty="0"/>
-              <a:t>紫金山天文台于</a:t>
-            </a:r>
+              <a:t>观天授时</a:t>
+            </a:r>
+            <a:endParaRPr lang="en-US" altLang="zh-CN" dirty="0"/>
+          </a:p>
+          <a:p>
+            <a:r>
+              <a:rPr lang="zh-CN" altLang="en-US" dirty="0"/>
+              <a:t>深空探测</a:t>
+            </a:r>
+            <a:endParaRPr lang="en-US" altLang="zh-CN" dirty="0"/>
+          </a:p>
+          <a:p>
+            <a:r>
+              <a:rPr lang="zh-CN" altLang="en-US" dirty="0"/>
+              <a:t>卫星定轨</a:t>
+            </a:r>
+            <a:endParaRPr lang="en-US" altLang="zh-CN" dirty="0"/>
+          </a:p>
+          <a:p>
             <a:r>
               <a:rPr lang="en-US" altLang="zh-CN" dirty="0"/>
-              <a:t>2003</a:t>
-            </a:r>
-            <a:r>
-              <a:rPr lang="zh-CN" altLang="en-US" dirty="0"/>
-              <a:t>年发布了</a:t>
-            </a:r>
-            <a:r>
-              <a:rPr lang="en-US" altLang="zh-CN" dirty="0"/>
-              <a:t>PMOE</a:t>
-            </a:r>
-            <a:r>
-              <a:rPr lang="zh-CN" altLang="en-US" dirty="0"/>
-              <a:t>历表框架</a:t>
-            </a:r>
-            <a:endParaRPr lang="en-US" altLang="zh-CN" dirty="0"/>
-          </a:p>
-          <a:p>
-            <a:pPr lvl="1"/>
-            <a:r>
-              <a:rPr lang="zh-CN" altLang="en-US" dirty="0"/>
-              <a:t>但是精度并不足以与以上三个历表相比拟</a:t>
-            </a:r>
-            <a:endParaRPr lang="en-US" altLang="zh-CN" dirty="0"/>
-          </a:p>
-          <a:p>
-            <a:pPr lvl="1"/>
+              <a:t>…</a:t>
+            </a:r>
             <a:endParaRPr lang="zh-CN" altLang="en-US" dirty="0"/>
           </a:p>
         </p:txBody>
@@ -8432,7 +9025,7 @@
     </p:spTree>
     <p:extLst>
       <p:ext uri="{BB962C8B-B14F-4D97-AF65-F5344CB8AC3E}">
-        <p14:creationId xmlns:p14="http://schemas.microsoft.com/office/powerpoint/2010/main" val="866391652"/>
+        <p14:creationId xmlns:p14="http://schemas.microsoft.com/office/powerpoint/2010/main" val="1220458830"/>
       </p:ext>
     </p:extLst>
   </p:cSld>
@@ -8464,7 +9057,7 @@
           <p:cNvPr id="2" name="标题 1">
             <a:extLst>
               <a:ext uri="{FF2B5EF4-FFF2-40B4-BE49-F238E27FC236}">
-                <a16:creationId xmlns:a16="http://schemas.microsoft.com/office/drawing/2014/main" id="{BCC6875C-6B5B-476B-80C8-B8A1267A23B2}"/>
+                <a16:creationId xmlns:a16="http://schemas.microsoft.com/office/drawing/2014/main" id="{A063DA11-81C2-4124-9D57-0AF8E9C49126}"/>
               </a:ext>
             </a:extLst>
           </p:cNvPr>
@@ -8475,46 +9068,79 @@
             <p:ph type="title"/>
           </p:nvPr>
         </p:nvSpPr>
-        <p:spPr>
-          <a:xfrm>
-            <a:off x="1295402" y="982133"/>
-            <a:ext cx="9601196" cy="3438948"/>
-          </a:xfrm>
-        </p:spPr>
-        <p:txBody>
-          <a:bodyPr>
-            <a:normAutofit/>
-          </a:bodyPr>
-          <a:lstStyle/>
-          <a:p>
+        <p:spPr/>
+        <p:txBody>
+          <a:bodyPr/>
+          <a:lstStyle/>
+          <a:p>
+            <a:r>
+              <a:rPr lang="zh-CN" altLang="en-US" dirty="0"/>
+              <a:t>我国的行星历表</a:t>
+            </a:r>
+          </a:p>
+        </p:txBody>
+      </p:sp>
+      <p:sp>
+        <p:nvSpPr>
+          <p:cNvPr id="3" name="内容占位符 2">
+            <a:extLst>
+              <a:ext uri="{FF2B5EF4-FFF2-40B4-BE49-F238E27FC236}">
+                <a16:creationId xmlns:a16="http://schemas.microsoft.com/office/drawing/2014/main" id="{69768C84-4CD0-4330-9B84-F48A9B66D8D0}"/>
+              </a:ext>
+            </a:extLst>
+          </p:cNvPr>
+          <p:cNvSpPr>
+            <a:spLocks noGrp="1"/>
+          </p:cNvSpPr>
+          <p:nvPr>
+            <p:ph idx="1"/>
+          </p:nvPr>
+        </p:nvSpPr>
+        <p:spPr/>
+        <p:txBody>
+          <a:bodyPr/>
+          <a:lstStyle/>
+          <a:p>
+            <a:r>
+              <a:rPr lang="zh-CN" altLang="en-US" dirty="0"/>
+              <a:t>紫金山天文台于</a:t>
+            </a:r>
             <a:r>
               <a:rPr lang="en-US" altLang="zh-CN" dirty="0"/>
-              <a:t>Part 2</a:t>
-            </a:r>
-            <a:br>
+              <a:t>2003</a:t>
+            </a:r>
+            <a:r>
+              <a:rPr lang="zh-CN" altLang="en-US" dirty="0"/>
+              <a:t>年发布了</a:t>
+            </a:r>
+            <a:r>
               <a:rPr lang="en-US" altLang="zh-CN" dirty="0"/>
-            </a:br>
-            <a:br>
-              <a:rPr lang="en-US" altLang="zh-CN" dirty="0"/>
-            </a:br>
-            <a:br>
-              <a:rPr lang="en-US" altLang="zh-CN" dirty="0"/>
-            </a:br>
-            <a:r>
-              <a:rPr lang="en-US" altLang="zh-CN" dirty="0"/>
-              <a:t>DE</a:t>
-            </a:r>
-            <a:r>
-              <a:rPr lang="zh-CN" altLang="en-US" dirty="0"/>
-              <a:t>历表接口格式</a:t>
-            </a:r>
+              <a:t>PMOE</a:t>
+            </a:r>
+            <a:r>
+              <a:rPr lang="zh-CN" altLang="en-US" dirty="0"/>
+              <a:t>历表框架</a:t>
+            </a:r>
+            <a:endParaRPr lang="en-US" altLang="zh-CN" dirty="0"/>
+          </a:p>
+          <a:p>
+            <a:pPr lvl="1"/>
+            <a:r>
+              <a:rPr lang="zh-CN" altLang="en-US" dirty="0"/>
+              <a:t>但是精度并不足以与以上三个历表相比拟</a:t>
+            </a:r>
+            <a:endParaRPr lang="en-US" altLang="zh-CN" dirty="0"/>
+          </a:p>
+          <a:p>
+            <a:pPr lvl="1"/>
+            <a:endParaRPr lang="zh-CN" altLang="en-US" dirty="0"/>
           </a:p>
         </p:txBody>
       </p:sp>
     </p:spTree>
     <p:extLst>
       <p:ext uri="{BB962C8B-B14F-4D97-AF65-F5344CB8AC3E}">
-        <p14:creationId xmlns:p14="http://schemas.microsoft.com/office/powerpoint/2010/main" val="4201266536"/>
+        <p14:creationId xmlns:p14="http://schemas.microsoft.com/office/powerpoint/2010/main" val="866391652"/>
       </p:ext>
     </p:extLst>
   </p:cSld>
@@ -8546,7 +9172,7 @@
           <p:cNvPr id="2" name="标题 1">
             <a:extLst>
               <a:ext uri="{FF2B5EF4-FFF2-40B4-BE49-F238E27FC236}">
-                <a16:creationId xmlns:a16="http://schemas.microsoft.com/office/drawing/2014/main" id="{82DF42E3-181D-4B1A-9A77-CCA8C3297733}"/>
+                <a16:creationId xmlns:a16="http://schemas.microsoft.com/office/drawing/2014/main" id="{3A4DE694-3410-4BEF-8D70-EF3B43A6C584}"/>
               </a:ext>
             </a:extLst>
           </p:cNvPr>
@@ -8564,15 +9190,7 @@
           <a:p>
             <a:r>
               <a:rPr lang="zh-CN" altLang="en-US" dirty="0"/>
-              <a:t>为什么选择</a:t>
-            </a:r>
-            <a:r>
-              <a:rPr lang="en-US" altLang="zh-CN" dirty="0"/>
-              <a:t>DE</a:t>
-            </a:r>
-            <a:r>
-              <a:rPr lang="zh-CN" altLang="en-US" dirty="0"/>
-              <a:t>历表</a:t>
+              <a:t>为什么要做这件事</a:t>
             </a:r>
           </a:p>
         </p:txBody>
@@ -8582,7 +9200,7 @@
           <p:cNvPr id="3" name="内容占位符 2">
             <a:extLst>
               <a:ext uri="{FF2B5EF4-FFF2-40B4-BE49-F238E27FC236}">
-                <a16:creationId xmlns:a16="http://schemas.microsoft.com/office/drawing/2014/main" id="{DE927DA8-99CE-45B8-B924-152E7D144CC9}"/>
+                <a16:creationId xmlns:a16="http://schemas.microsoft.com/office/drawing/2014/main" id="{24320EF7-7F96-4DFD-9328-A77D2BF46E78}"/>
               </a:ext>
             </a:extLst>
           </p:cNvPr>
@@ -8599,54 +9217,38 @@
           <a:lstStyle/>
           <a:p>
             <a:r>
+              <a:rPr lang="zh-CN" altLang="en-US" dirty="0"/>
+              <a:t>行星历表应用广泛，其价值极高</a:t>
+            </a:r>
+            <a:endParaRPr lang="en-US" altLang="zh-CN" dirty="0"/>
+          </a:p>
+          <a:p>
+            <a:r>
+              <a:rPr lang="zh-CN" altLang="en-US" dirty="0"/>
+              <a:t>我国的行星历表的精度尚不能与上述三个历表比肩</a:t>
+            </a:r>
+            <a:endParaRPr lang="en-US" altLang="zh-CN" dirty="0"/>
+          </a:p>
+          <a:p>
+            <a:r>
+              <a:rPr lang="zh-CN" altLang="en-US" dirty="0"/>
+              <a:t>由于</a:t>
+            </a:r>
+            <a:r>
               <a:rPr lang="en-US" altLang="zh-CN" dirty="0"/>
               <a:t>DE</a:t>
             </a:r>
             <a:r>
               <a:rPr lang="zh-CN" altLang="en-US" dirty="0"/>
-              <a:t>历表发布较早：</a:t>
-            </a:r>
-            <a:endParaRPr lang="en-US" altLang="zh-CN" dirty="0"/>
-          </a:p>
-          <a:p>
-            <a:pPr lvl="1"/>
-            <a:r>
-              <a:rPr lang="zh-CN" altLang="en-US" dirty="0"/>
-              <a:t>其进入国内较早，为大量程序所使用。</a:t>
-            </a:r>
-            <a:endParaRPr lang="en-US" altLang="zh-CN" dirty="0"/>
-          </a:p>
-          <a:p>
-            <a:pPr lvl="1"/>
-            <a:r>
-              <a:rPr lang="zh-CN" altLang="en-US" dirty="0"/>
-              <a:t>其为</a:t>
+              <a:t>历表进入国内较早，其被大量航空航天程序所依赖。近年来中美关系变化，我们已经不能正常下载</a:t>
             </a:r>
             <a:r>
               <a:rPr lang="en-US" altLang="zh-CN" dirty="0"/>
-              <a:t>INPOP</a:t>
-            </a:r>
-            <a:r>
-              <a:rPr lang="zh-CN" altLang="en-US" dirty="0"/>
-              <a:t>历表和</a:t>
-            </a:r>
-            <a:r>
-              <a:rPr lang="en-US" altLang="zh-CN" dirty="0"/>
-              <a:t>EPM</a:t>
-            </a:r>
-            <a:r>
-              <a:rPr lang="zh-CN" altLang="en-US" dirty="0"/>
-              <a:t>历表提供了一种接口格式规范。</a:t>
-            </a:r>
-            <a:endParaRPr lang="en-US" altLang="zh-CN" dirty="0"/>
-          </a:p>
-          <a:p>
-            <a:endParaRPr lang="en-US" altLang="zh-CN" dirty="0"/>
-          </a:p>
-          <a:p>
-            <a:r>
-              <a:rPr lang="zh-CN" altLang="en-US" dirty="0"/>
-              <a:t>其格式简单明了，容易理解。</a:t>
+              <a:t>DE</a:t>
+            </a:r>
+            <a:r>
+              <a:rPr lang="zh-CN" altLang="en-US" dirty="0"/>
+              <a:t>历表，因此需要寻求其替代品。</a:t>
             </a:r>
           </a:p>
         </p:txBody>
@@ -8654,7 +9256,7 @@
     </p:spTree>
     <p:extLst>
       <p:ext uri="{BB962C8B-B14F-4D97-AF65-F5344CB8AC3E}">
-        <p14:creationId xmlns:p14="http://schemas.microsoft.com/office/powerpoint/2010/main" val="3544735891"/>
+        <p14:creationId xmlns:p14="http://schemas.microsoft.com/office/powerpoint/2010/main" val="3217770096"/>
       </p:ext>
     </p:extLst>
   </p:cSld>
@@ -8686,7 +9288,7 @@
           <p:cNvPr id="2" name="标题 1">
             <a:extLst>
               <a:ext uri="{FF2B5EF4-FFF2-40B4-BE49-F238E27FC236}">
-                <a16:creationId xmlns:a16="http://schemas.microsoft.com/office/drawing/2014/main" id="{CCF315B4-191F-40DE-A504-FFB083FD6B9B}"/>
+                <a16:creationId xmlns:a16="http://schemas.microsoft.com/office/drawing/2014/main" id="{BCC6875C-6B5B-476B-80C8-B8A1267A23B2}"/>
               </a:ext>
             </a:extLst>
           </p:cNvPr>
@@ -8697,117 +9299,38 @@
             <p:ph type="title"/>
           </p:nvPr>
         </p:nvSpPr>
-        <p:spPr/>
-        <p:txBody>
-          <a:bodyPr/>
-          <a:lstStyle/>
-          <a:p>
-            <a:r>
-              <a:rPr lang="zh-CN" altLang="en-US" dirty="0"/>
-              <a:t>接口格式</a:t>
-            </a:r>
-          </a:p>
-        </p:txBody>
-      </p:sp>
-      <p:sp>
-        <p:nvSpPr>
-          <p:cNvPr id="3" name="内容占位符 2">
-            <a:extLst>
-              <a:ext uri="{FF2B5EF4-FFF2-40B4-BE49-F238E27FC236}">
-                <a16:creationId xmlns:a16="http://schemas.microsoft.com/office/drawing/2014/main" id="{85DFACE1-A08F-45DC-8B48-58CCD1AB8329}"/>
-              </a:ext>
-            </a:extLst>
-          </p:cNvPr>
-          <p:cNvSpPr>
-            <a:spLocks noGrp="1"/>
-          </p:cNvSpPr>
-          <p:nvPr>
-            <p:ph idx="1"/>
-          </p:nvPr>
-        </p:nvSpPr>
-        <p:spPr/>
-        <p:txBody>
-          <a:bodyPr/>
-          <a:lstStyle/>
-          <a:p>
+        <p:spPr>
+          <a:xfrm>
+            <a:off x="1295402" y="982133"/>
+            <a:ext cx="9601196" cy="3438948"/>
+          </a:xfrm>
+        </p:spPr>
+        <p:txBody>
+          <a:bodyPr>
+            <a:normAutofit/>
+          </a:bodyPr>
+          <a:lstStyle/>
+          <a:p>
+            <a:r>
+              <a:rPr lang="en-US" altLang="zh-CN" dirty="0"/>
+              <a:t>Part 2</a:t>
+            </a:r>
+            <a:br>
+              <a:rPr lang="en-US" altLang="zh-CN" dirty="0"/>
+            </a:br>
+            <a:br>
+              <a:rPr lang="en-US" altLang="zh-CN" dirty="0"/>
+            </a:br>
+            <a:br>
+              <a:rPr lang="en-US" altLang="zh-CN" dirty="0"/>
+            </a:br>
             <a:r>
               <a:rPr lang="en-US" altLang="zh-CN" dirty="0"/>
               <a:t>DE</a:t>
             </a:r>
             <a:r>
               <a:rPr lang="zh-CN" altLang="en-US" dirty="0"/>
-              <a:t>历表分为</a:t>
-            </a:r>
-            <a:r>
-              <a:rPr lang="en-US" altLang="zh-CN" dirty="0"/>
-              <a:t>6</a:t>
-            </a:r>
-            <a:r>
-              <a:rPr lang="zh-CN" altLang="en-US" dirty="0"/>
-              <a:t>个</a:t>
-            </a:r>
-            <a:r>
-              <a:rPr lang="en-US" altLang="zh-CN" dirty="0"/>
-              <a:t>GROUP</a:t>
-            </a:r>
-            <a:r>
-              <a:rPr lang="zh-CN" altLang="en-US" dirty="0"/>
-              <a:t>，每个</a:t>
-            </a:r>
-            <a:r>
-              <a:rPr lang="en-US" altLang="zh-CN" dirty="0"/>
-              <a:t>GROUP</a:t>
-            </a:r>
-            <a:r>
-              <a:rPr lang="zh-CN" altLang="en-US" dirty="0"/>
-              <a:t>存储一些信息。</a:t>
-            </a:r>
-            <a:endParaRPr lang="en-US" altLang="zh-CN" dirty="0"/>
-          </a:p>
-          <a:p>
-            <a:r>
-              <a:rPr lang="zh-CN" altLang="en-US" dirty="0"/>
-              <a:t>包括：</a:t>
-            </a:r>
-            <a:endParaRPr lang="en-US" altLang="zh-CN" dirty="0"/>
-          </a:p>
-          <a:p>
-            <a:pPr lvl="1"/>
-            <a:r>
-              <a:rPr lang="zh-CN" altLang="en-US" dirty="0"/>
-              <a:t>历表名称、时间区间</a:t>
-            </a:r>
-            <a:endParaRPr lang="en-US" altLang="zh-CN" dirty="0"/>
-          </a:p>
-          <a:p>
-            <a:pPr lvl="1"/>
-            <a:r>
-              <a:rPr lang="zh-CN" altLang="en-US" dirty="0"/>
-              <a:t>常数名、常数值</a:t>
-            </a:r>
-            <a:endParaRPr lang="en-US" altLang="zh-CN" dirty="0"/>
-          </a:p>
-          <a:p>
-            <a:pPr lvl="1"/>
-            <a:r>
-              <a:rPr lang="zh-CN" altLang="en-US" dirty="0"/>
-              <a:t>插值多项式系数</a:t>
-            </a:r>
-            <a:endParaRPr lang="en-US" altLang="zh-CN" dirty="0"/>
-          </a:p>
-          <a:p>
-            <a:pPr lvl="1"/>
-            <a:r>
-              <a:rPr lang="zh-CN" altLang="en-US" dirty="0"/>
-              <a:t>具体记录</a:t>
-            </a:r>
-            <a:endParaRPr lang="en-US" altLang="zh-CN" dirty="0"/>
-          </a:p>
-          <a:p>
-            <a:pPr lvl="1"/>
-            <a:r>
-              <a:rPr lang="en-US" altLang="zh-CN" dirty="0"/>
-              <a:t>…</a:t>
+              <a:t>历表接口格式</a:t>
             </a:r>
           </a:p>
         </p:txBody>
@@ -8815,7 +9338,7 @@
     </p:spTree>
     <p:extLst>
       <p:ext uri="{BB962C8B-B14F-4D97-AF65-F5344CB8AC3E}">
-        <p14:creationId xmlns:p14="http://schemas.microsoft.com/office/powerpoint/2010/main" val="3908414205"/>
+        <p14:creationId xmlns:p14="http://schemas.microsoft.com/office/powerpoint/2010/main" val="4201266536"/>
       </p:ext>
     </p:extLst>
   </p:cSld>

--- a/答辩.pptx
+++ b/答辩.pptx
@@ -7524,7 +7524,7 @@
           <p:nvPr>
             <p:extLst>
               <p:ext uri="{D42A27DB-BD31-4B8C-83A1-F6EECF244321}">
-                <p14:modId xmlns:p14="http://schemas.microsoft.com/office/powerpoint/2010/main" val="188235929"/>
+                <p14:modId xmlns:p14="http://schemas.microsoft.com/office/powerpoint/2010/main" val="1015084031"/>
               </p:ext>
             </p:extLst>
           </p:nvPr>
@@ -7871,7 +7871,7 @@
                         <a:rPr lang="en-US" altLang="zh-CN" sz="1800" kern="100" dirty="0">
                           <a:effectLst/>
                         </a:rPr>
-                        <a:t>km</a:t>
+                        <a:t>m/s</a:t>
                       </a:r>
                       <a:endParaRPr lang="zh-CN" sz="1700" kern="100" dirty="0">
                         <a:effectLst/>
@@ -8008,7 +8008,7 @@
                         <a:rPr lang="en-US" altLang="zh-CN" sz="1800" kern="100" dirty="0">
                           <a:effectLst/>
                         </a:rPr>
-                        <a:t>km</a:t>
+                        <a:t>m/s</a:t>
                       </a:r>
                       <a:endParaRPr lang="zh-CN" sz="1700" kern="100" dirty="0">
                         <a:effectLst/>
@@ -8033,22 +8033,22 @@
                         </a:spcAft>
                       </a:pPr>
                       <a:r>
-                        <a:rPr lang="en-US" sz="2000" kern="100" dirty="0">
+                        <a:rPr lang="en-US" sz="2000" kern="100">
                           <a:effectLst/>
                         </a:rPr>
                         <a:t>6.58242*10</a:t>
                       </a:r>
                       <a:r>
-                        <a:rPr lang="en-US" altLang="zh-CN" sz="2000" kern="100" baseline="30000" dirty="0">
+                        <a:rPr lang="en-US" altLang="zh-CN" sz="2000" kern="100" baseline="30000">
                           <a:effectLst/>
                         </a:rPr>
                         <a:t>-5 </a:t>
                       </a:r>
                       <a:r>
-                        <a:rPr lang="en-US" sz="2000" kern="100" dirty="0">
+                        <a:rPr lang="en-US" sz="2000" kern="100">
                           <a:effectLst/>
                         </a:rPr>
-                        <a:t>km</a:t>
+                        <a:t>m/s</a:t>
                       </a:r>
                       <a:endParaRPr lang="zh-CN" sz="1700" kern="100" dirty="0">
                         <a:effectLst/>
